--- a/Training_Images.pptx
+++ b/Training_Images.pptx
@@ -9,7 +9,11 @@
     <p:sldId id="257" r:id="rId3"/>
     <p:sldId id="258" r:id="rId4"/>
     <p:sldId id="259" r:id="rId5"/>
-    <p:sldId id="260" r:id="rId6"/>
+    <p:sldId id="261" r:id="rId6"/>
+    <p:sldId id="262" r:id="rId7"/>
+    <p:sldId id="260" r:id="rId8"/>
+    <p:sldId id="263" r:id="rId9"/>
+    <p:sldId id="264" r:id="rId10"/>
   </p:sldIdLst>
   <p:sldSz cx="12192000" cy="6858000"/>
   <p:notesSz cx="6858000" cy="9144000"/>
@@ -108,6 +112,11 @@
       </a:defRPr>
     </a:lvl9pPr>
   </p:defaultTextStyle>
+  <p:extLst>
+    <p:ext uri="{EFAFB233-063F-42B5-8137-9DF3F51BA10A}">
+      <p15:sldGuideLst xmlns:p15="http://schemas.microsoft.com/office/powerpoint/2012/main"/>
+    </p:ext>
+  </p:extLst>
 </p:presentation>
 </file>
 
@@ -258,7 +267,7 @@
           <a:p>
             <a:fld id="{065EF289-5FD5-4B72-8BDA-1077AEB2783C}" type="datetimeFigureOut">
               <a:rPr lang="en-US" smtClean="0"/>
-              <a:t>5/9/2023</a:t>
+              <a:t>5/10/2023</a:t>
             </a:fld>
             <a:endParaRPr lang="en-US"/>
           </a:p>
@@ -456,7 +465,7 @@
           <a:p>
             <a:fld id="{065EF289-5FD5-4B72-8BDA-1077AEB2783C}" type="datetimeFigureOut">
               <a:rPr lang="en-US" smtClean="0"/>
-              <a:t>5/9/2023</a:t>
+              <a:t>5/10/2023</a:t>
             </a:fld>
             <a:endParaRPr lang="en-US"/>
           </a:p>
@@ -664,7 +673,7 @@
           <a:p>
             <a:fld id="{065EF289-5FD5-4B72-8BDA-1077AEB2783C}" type="datetimeFigureOut">
               <a:rPr lang="en-US" smtClean="0"/>
-              <a:t>5/9/2023</a:t>
+              <a:t>5/10/2023</a:t>
             </a:fld>
             <a:endParaRPr lang="en-US"/>
           </a:p>
@@ -862,7 +871,7 @@
           <a:p>
             <a:fld id="{065EF289-5FD5-4B72-8BDA-1077AEB2783C}" type="datetimeFigureOut">
               <a:rPr lang="en-US" smtClean="0"/>
-              <a:t>5/9/2023</a:t>
+              <a:t>5/10/2023</a:t>
             </a:fld>
             <a:endParaRPr lang="en-US"/>
           </a:p>
@@ -1137,7 +1146,7 @@
           <a:p>
             <a:fld id="{065EF289-5FD5-4B72-8BDA-1077AEB2783C}" type="datetimeFigureOut">
               <a:rPr lang="en-US" smtClean="0"/>
-              <a:t>5/9/2023</a:t>
+              <a:t>5/10/2023</a:t>
             </a:fld>
             <a:endParaRPr lang="en-US"/>
           </a:p>
@@ -1402,7 +1411,7 @@
           <a:p>
             <a:fld id="{065EF289-5FD5-4B72-8BDA-1077AEB2783C}" type="datetimeFigureOut">
               <a:rPr lang="en-US" smtClean="0"/>
-              <a:t>5/9/2023</a:t>
+              <a:t>5/10/2023</a:t>
             </a:fld>
             <a:endParaRPr lang="en-US"/>
           </a:p>
@@ -1814,7 +1823,7 @@
           <a:p>
             <a:fld id="{065EF289-5FD5-4B72-8BDA-1077AEB2783C}" type="datetimeFigureOut">
               <a:rPr lang="en-US" smtClean="0"/>
-              <a:t>5/9/2023</a:t>
+              <a:t>5/10/2023</a:t>
             </a:fld>
             <a:endParaRPr lang="en-US"/>
           </a:p>
@@ -1955,7 +1964,7 @@
           <a:p>
             <a:fld id="{065EF289-5FD5-4B72-8BDA-1077AEB2783C}" type="datetimeFigureOut">
               <a:rPr lang="en-US" smtClean="0"/>
-              <a:t>5/9/2023</a:t>
+              <a:t>5/10/2023</a:t>
             </a:fld>
             <a:endParaRPr lang="en-US"/>
           </a:p>
@@ -2068,7 +2077,7 @@
           <a:p>
             <a:fld id="{065EF289-5FD5-4B72-8BDA-1077AEB2783C}" type="datetimeFigureOut">
               <a:rPr lang="en-US" smtClean="0"/>
-              <a:t>5/9/2023</a:t>
+              <a:t>5/10/2023</a:t>
             </a:fld>
             <a:endParaRPr lang="en-US"/>
           </a:p>
@@ -2379,7 +2388,7 @@
           <a:p>
             <a:fld id="{065EF289-5FD5-4B72-8BDA-1077AEB2783C}" type="datetimeFigureOut">
               <a:rPr lang="en-US" smtClean="0"/>
-              <a:t>5/9/2023</a:t>
+              <a:t>5/10/2023</a:t>
             </a:fld>
             <a:endParaRPr lang="en-US"/>
           </a:p>
@@ -2667,7 +2676,7 @@
           <a:p>
             <a:fld id="{065EF289-5FD5-4B72-8BDA-1077AEB2783C}" type="datetimeFigureOut">
               <a:rPr lang="en-US" smtClean="0"/>
-              <a:t>5/9/2023</a:t>
+              <a:t>5/10/2023</a:t>
             </a:fld>
             <a:endParaRPr lang="en-US"/>
           </a:p>
@@ -2908,7 +2917,7 @@
           <a:p>
             <a:fld id="{065EF289-5FD5-4B72-8BDA-1077AEB2783C}" type="datetimeFigureOut">
               <a:rPr lang="en-US" smtClean="0"/>
-              <a:t>5/9/2023</a:t>
+              <a:t>5/10/2023</a:t>
             </a:fld>
             <a:endParaRPr lang="en-US"/>
           </a:p>
@@ -6634,10 +6643,9 @@
               <a:buAutoNum type="arabicPeriod"/>
             </a:pPr>
             <a:r>
-              <a:rPr lang="en-IN" dirty="0" err="1"/>
-              <a:t>EntityFraemeworkCore</a:t>
-            </a:r>
-            <a:endParaRPr lang="en-IN" dirty="0"/>
+              <a:rPr lang="en-IN" dirty="0"/>
+              <a:t>EntityFrameworkCore</a:t>
+            </a:r>
           </a:p>
           <a:p>
             <a:pPr marL="1257300" lvl="2" indent="-342900">
@@ -6746,10 +6754,139 @@
       </p:grpSpPr>
       <p:sp>
         <p:nvSpPr>
-          <p:cNvPr id="2" name="TextBox 1">
-            <a:extLst>
-              <a:ext uri="{FF2B5EF4-FFF2-40B4-BE49-F238E27FC236}">
-                <a16:creationId xmlns:a16="http://schemas.microsoft.com/office/drawing/2014/main" id="{DD15BC2D-46DF-5CA5-15DF-F2BA68DC5A3A}"/>
+          <p:cNvPr id="3" name="Rectangle 2">
+            <a:extLst>
+              <a:ext uri="{FF2B5EF4-FFF2-40B4-BE49-F238E27FC236}">
+                <a16:creationId xmlns:a16="http://schemas.microsoft.com/office/drawing/2014/main" id="{F137D886-C065-A966-F279-DB4412583239}"/>
+              </a:ext>
+            </a:extLst>
+          </p:cNvPr>
+          <p:cNvSpPr/>
+          <p:nvPr/>
+        </p:nvSpPr>
+        <p:spPr>
+          <a:xfrm>
+            <a:off x="2584580" y="625151"/>
+            <a:ext cx="6522098" cy="5756988"/>
+          </a:xfrm>
+          <a:prstGeom prst="rect">
+            <a:avLst/>
+          </a:prstGeom>
+        </p:spPr>
+        <p:style>
+          <a:lnRef idx="3">
+            <a:schemeClr val="lt1"/>
+          </a:lnRef>
+          <a:fillRef idx="1">
+            <a:schemeClr val="accent3"/>
+          </a:fillRef>
+          <a:effectRef idx="1">
+            <a:schemeClr val="accent3"/>
+          </a:effectRef>
+          <a:fontRef idx="minor">
+            <a:schemeClr val="lt1"/>
+          </a:fontRef>
+        </p:style>
+        <p:txBody>
+          <a:bodyPr rtlCol="0" anchor="ctr"/>
+          <a:lstStyle/>
+          <a:p>
+            <a:pPr algn="ctr"/>
+            <a:endParaRPr lang="en-US"/>
+          </a:p>
+        </p:txBody>
+      </p:sp>
+      <p:sp>
+        <p:nvSpPr>
+          <p:cNvPr id="2" name="Rectangle 1">
+            <a:extLst>
+              <a:ext uri="{FF2B5EF4-FFF2-40B4-BE49-F238E27FC236}">
+                <a16:creationId xmlns:a16="http://schemas.microsoft.com/office/drawing/2014/main" id="{0336276D-5CE3-5E4A-E055-A4C2EDE063C5}"/>
+              </a:ext>
+            </a:extLst>
+          </p:cNvPr>
+          <p:cNvSpPr/>
+          <p:nvPr/>
+        </p:nvSpPr>
+        <p:spPr>
+          <a:xfrm>
+            <a:off x="2883159" y="923731"/>
+            <a:ext cx="6139543" cy="3060440"/>
+          </a:xfrm>
+          <a:prstGeom prst="rect">
+            <a:avLst/>
+          </a:prstGeom>
+        </p:spPr>
+        <p:style>
+          <a:lnRef idx="2">
+            <a:schemeClr val="accent1">
+              <a:shade val="50000"/>
+            </a:schemeClr>
+          </a:lnRef>
+          <a:fillRef idx="1">
+            <a:schemeClr val="accent1"/>
+          </a:fillRef>
+          <a:effectRef idx="0">
+            <a:schemeClr val="accent1"/>
+          </a:effectRef>
+          <a:fontRef idx="minor">
+            <a:schemeClr val="lt1"/>
+          </a:fontRef>
+        </p:style>
+        <p:txBody>
+          <a:bodyPr rtlCol="0" anchor="ctr"/>
+          <a:lstStyle/>
+          <a:p>
+            <a:pPr algn="ctr"/>
+            <a:r>
+              <a:rPr lang="en-IN" b="1" dirty="0"/>
+              <a:t>Azure Function Class</a:t>
+            </a:r>
+          </a:p>
+          <a:p>
+            <a:pPr algn="ctr"/>
+            <a:endParaRPr lang="en-IN" b="1" dirty="0"/>
+          </a:p>
+          <a:p>
+            <a:pPr algn="ctr"/>
+            <a:endParaRPr lang="en-IN" b="1" dirty="0"/>
+          </a:p>
+          <a:p>
+            <a:pPr algn="ctr"/>
+            <a:endParaRPr lang="en-IN" b="1" dirty="0"/>
+          </a:p>
+          <a:p>
+            <a:pPr algn="ctr"/>
+            <a:endParaRPr lang="en-IN" b="1" dirty="0"/>
+          </a:p>
+          <a:p>
+            <a:pPr algn="ctr"/>
+            <a:endParaRPr lang="en-IN" b="1" dirty="0"/>
+          </a:p>
+          <a:p>
+            <a:pPr algn="ctr"/>
+            <a:endParaRPr lang="en-IN" b="1" dirty="0"/>
+          </a:p>
+          <a:p>
+            <a:pPr algn="ctr"/>
+            <a:endParaRPr lang="en-IN" b="1" dirty="0"/>
+          </a:p>
+          <a:p>
+            <a:pPr algn="ctr"/>
+            <a:endParaRPr lang="en-IN" b="1" dirty="0"/>
+          </a:p>
+          <a:p>
+            <a:pPr algn="ctr"/>
+            <a:endParaRPr lang="en-US" b="1" dirty="0"/>
+          </a:p>
+        </p:txBody>
+      </p:sp>
+      <p:sp>
+        <p:nvSpPr>
+          <p:cNvPr id="4" name="TextBox 3">
+            <a:extLst>
+              <a:ext uri="{FF2B5EF4-FFF2-40B4-BE49-F238E27FC236}">
+                <a16:creationId xmlns:a16="http://schemas.microsoft.com/office/drawing/2014/main" id="{CF527D07-A83F-A8FF-68C4-3A9196F3FF6B}"/>
               </a:ext>
             </a:extLst>
           </p:cNvPr>
@@ -6758,8 +6895,8 @@
         </p:nvSpPr>
         <p:spPr>
           <a:xfrm>
-            <a:off x="121298" y="186612"/>
-            <a:ext cx="11831216" cy="369332"/>
+            <a:off x="2883159" y="5530533"/>
+            <a:ext cx="5561045" cy="646331"/>
           </a:xfrm>
           <a:prstGeom prst="rect">
             <a:avLst/>
@@ -6772,15 +6909,1391 @@
           </a:bodyPr>
           <a:lstStyle/>
           <a:p>
+            <a:pPr algn="ctr"/>
             <a:r>
               <a:rPr lang="en-IN" dirty="0"/>
-              <a:t>Challenges to Deploy it on Cloud </a:t>
-            </a:r>
-            <a:r>
-              <a:rPr lang="en-IN"/>
-              <a:t>for High-Availability</a:t>
-            </a:r>
+              <a:t>Azure Function Hosting Environment (dotnet.exe + WebJob)</a:t>
+            </a:r>
+            <a:endParaRPr lang="en-US" dirty="0"/>
+          </a:p>
+        </p:txBody>
+      </p:sp>
+      <p:sp>
+        <p:nvSpPr>
+          <p:cNvPr id="5" name="Rectangle 4">
+            <a:extLst>
+              <a:ext uri="{FF2B5EF4-FFF2-40B4-BE49-F238E27FC236}">
+                <a16:creationId xmlns:a16="http://schemas.microsoft.com/office/drawing/2014/main" id="{1BECE896-884A-6C66-9C23-A07C00E7D564}"/>
+              </a:ext>
+            </a:extLst>
+          </p:cNvPr>
+          <p:cNvSpPr/>
+          <p:nvPr/>
+        </p:nvSpPr>
+        <p:spPr>
+          <a:xfrm>
+            <a:off x="2957803" y="1679510"/>
+            <a:ext cx="6008915" cy="550506"/>
+          </a:xfrm>
+          <a:prstGeom prst="rect">
+            <a:avLst/>
+          </a:prstGeom>
+        </p:spPr>
+        <p:style>
+          <a:lnRef idx="1">
+            <a:schemeClr val="accent2"/>
+          </a:lnRef>
+          <a:fillRef idx="3">
+            <a:schemeClr val="accent2"/>
+          </a:fillRef>
+          <a:effectRef idx="2">
+            <a:schemeClr val="accent2"/>
+          </a:effectRef>
+          <a:fontRef idx="minor">
+            <a:schemeClr val="lt1"/>
+          </a:fontRef>
+        </p:style>
+        <p:txBody>
+          <a:bodyPr rtlCol="0" anchor="ctr"/>
+          <a:lstStyle/>
+          <a:p>
+            <a:pPr algn="ctr"/>
+            <a:r>
+              <a:rPr lang="en-IN" dirty="0"/>
+              <a:t>Function Method</a:t>
+            </a:r>
+            <a:endParaRPr lang="en-US" dirty="0"/>
+          </a:p>
+        </p:txBody>
+      </p:sp>
+      <p:sp>
+        <p:nvSpPr>
+          <p:cNvPr id="6" name="Rectangle 5">
+            <a:extLst>
+              <a:ext uri="{FF2B5EF4-FFF2-40B4-BE49-F238E27FC236}">
+                <a16:creationId xmlns:a16="http://schemas.microsoft.com/office/drawing/2014/main" id="{72684C0C-D523-FF8F-A5C9-053A51347CBC}"/>
+              </a:ext>
+            </a:extLst>
+          </p:cNvPr>
+          <p:cNvSpPr/>
+          <p:nvPr/>
+        </p:nvSpPr>
+        <p:spPr>
+          <a:xfrm>
+            <a:off x="2957803" y="2382416"/>
+            <a:ext cx="6008915" cy="550506"/>
+          </a:xfrm>
+          <a:prstGeom prst="rect">
+            <a:avLst/>
+          </a:prstGeom>
+        </p:spPr>
+        <p:style>
+          <a:lnRef idx="1">
+            <a:schemeClr val="accent2"/>
+          </a:lnRef>
+          <a:fillRef idx="3">
+            <a:schemeClr val="accent2"/>
+          </a:fillRef>
+          <a:effectRef idx="2">
+            <a:schemeClr val="accent2"/>
+          </a:effectRef>
+          <a:fontRef idx="minor">
+            <a:schemeClr val="lt1"/>
+          </a:fontRef>
+        </p:style>
+        <p:txBody>
+          <a:bodyPr rtlCol="0" anchor="ctr"/>
+          <a:lstStyle/>
+          <a:p>
+            <a:pPr algn="ctr"/>
+            <a:r>
+              <a:rPr lang="en-IN" dirty="0"/>
+              <a:t>Function Method</a:t>
+            </a:r>
+            <a:endParaRPr lang="en-US" dirty="0"/>
+          </a:p>
+        </p:txBody>
+      </p:sp>
+      <p:sp>
+        <p:nvSpPr>
+          <p:cNvPr id="7" name="Rectangle 6">
+            <a:extLst>
+              <a:ext uri="{FF2B5EF4-FFF2-40B4-BE49-F238E27FC236}">
+                <a16:creationId xmlns:a16="http://schemas.microsoft.com/office/drawing/2014/main" id="{966C7379-0DB2-6D58-BB98-D433FCB881EB}"/>
+              </a:ext>
+            </a:extLst>
+          </p:cNvPr>
+          <p:cNvSpPr/>
+          <p:nvPr/>
+        </p:nvSpPr>
+        <p:spPr>
+          <a:xfrm>
+            <a:off x="2957803" y="3085322"/>
+            <a:ext cx="6008915" cy="550506"/>
+          </a:xfrm>
+          <a:prstGeom prst="rect">
+            <a:avLst/>
+          </a:prstGeom>
+        </p:spPr>
+        <p:style>
+          <a:lnRef idx="1">
+            <a:schemeClr val="accent2"/>
+          </a:lnRef>
+          <a:fillRef idx="3">
+            <a:schemeClr val="accent2"/>
+          </a:fillRef>
+          <a:effectRef idx="2">
+            <a:schemeClr val="accent2"/>
+          </a:effectRef>
+          <a:fontRef idx="minor">
+            <a:schemeClr val="lt1"/>
+          </a:fontRef>
+        </p:style>
+        <p:txBody>
+          <a:bodyPr rtlCol="0" anchor="ctr"/>
+          <a:lstStyle/>
+          <a:p>
+            <a:pPr algn="ctr"/>
+            <a:r>
+              <a:rPr lang="en-IN" dirty="0"/>
+              <a:t>Function Method</a:t>
+            </a:r>
+            <a:endParaRPr lang="en-US" dirty="0"/>
+          </a:p>
+        </p:txBody>
+      </p:sp>
+      <p:sp>
+        <p:nvSpPr>
+          <p:cNvPr id="8" name="Flowchart: Magnetic Disk 7">
+            <a:extLst>
+              <a:ext uri="{FF2B5EF4-FFF2-40B4-BE49-F238E27FC236}">
+                <a16:creationId xmlns:a16="http://schemas.microsoft.com/office/drawing/2014/main" id="{FF708C1F-1D5C-1A00-902B-7627304EFD33}"/>
+              </a:ext>
+            </a:extLst>
+          </p:cNvPr>
+          <p:cNvSpPr/>
+          <p:nvPr/>
+        </p:nvSpPr>
+        <p:spPr>
+          <a:xfrm>
+            <a:off x="9741159" y="2657669"/>
+            <a:ext cx="2071396" cy="1251858"/>
+          </a:xfrm>
+          <a:prstGeom prst="flowChartMagneticDisk">
+            <a:avLst/>
+          </a:prstGeom>
+        </p:spPr>
+        <p:style>
+          <a:lnRef idx="2">
+            <a:schemeClr val="accent1">
+              <a:shade val="50000"/>
+            </a:schemeClr>
+          </a:lnRef>
+          <a:fillRef idx="1">
+            <a:schemeClr val="accent1"/>
+          </a:fillRef>
+          <a:effectRef idx="0">
+            <a:schemeClr val="accent1"/>
+          </a:effectRef>
+          <a:fontRef idx="minor">
+            <a:schemeClr val="lt1"/>
+          </a:fontRef>
+        </p:style>
+        <p:txBody>
+          <a:bodyPr rtlCol="0" anchor="ctr"/>
+          <a:lstStyle/>
+          <a:p>
+            <a:pPr algn="ctr"/>
+            <a:r>
+              <a:rPr lang="en-IN" b="1" dirty="0"/>
+              <a:t>DB</a:t>
+            </a:r>
+            <a:endParaRPr lang="en-US" b="1" dirty="0"/>
+          </a:p>
+        </p:txBody>
+      </p:sp>
+      <p:sp>
+        <p:nvSpPr>
+          <p:cNvPr id="9" name="Rectangle: Rounded Corners 8">
+            <a:extLst>
+              <a:ext uri="{FF2B5EF4-FFF2-40B4-BE49-F238E27FC236}">
+                <a16:creationId xmlns:a16="http://schemas.microsoft.com/office/drawing/2014/main" id="{16B3C8CC-B58C-8E50-998F-621C4331D53E}"/>
+              </a:ext>
+            </a:extLst>
+          </p:cNvPr>
+          <p:cNvSpPr/>
+          <p:nvPr/>
+        </p:nvSpPr>
+        <p:spPr>
+          <a:xfrm>
+            <a:off x="6382139" y="4338735"/>
+            <a:ext cx="2062065" cy="986523"/>
+          </a:xfrm>
+          <a:prstGeom prst="roundRect">
+            <a:avLst/>
+          </a:prstGeom>
+        </p:spPr>
+        <p:style>
+          <a:lnRef idx="0">
+            <a:schemeClr val="accent4"/>
+          </a:lnRef>
+          <a:fillRef idx="3">
+            <a:schemeClr val="accent4"/>
+          </a:fillRef>
+          <a:effectRef idx="3">
+            <a:schemeClr val="accent4"/>
+          </a:effectRef>
+          <a:fontRef idx="minor">
+            <a:schemeClr val="lt1"/>
+          </a:fontRef>
+        </p:style>
+        <p:txBody>
+          <a:bodyPr rtlCol="0" anchor="ctr"/>
+          <a:lstStyle/>
+          <a:p>
+            <a:pPr algn="ctr"/>
+            <a:r>
+              <a:rPr lang="en-IN" b="1" dirty="0"/>
+              <a:t>Data Access Layer</a:t>
+            </a:r>
+            <a:endParaRPr lang="en-US" b="1" dirty="0"/>
+          </a:p>
+        </p:txBody>
+      </p:sp>
+      <p:cxnSp>
+        <p:nvCxnSpPr>
+          <p:cNvPr id="11" name="Connector: Elbow 10">
+            <a:extLst>
+              <a:ext uri="{FF2B5EF4-FFF2-40B4-BE49-F238E27FC236}">
+                <a16:creationId xmlns:a16="http://schemas.microsoft.com/office/drawing/2014/main" id="{9EF86210-D4AC-6878-477E-65D72A07C715}"/>
+              </a:ext>
+            </a:extLst>
+          </p:cNvPr>
+          <p:cNvCxnSpPr>
+            <a:stCxn id="9" idx="3"/>
+            <a:endCxn id="8" idx="3"/>
+          </p:cNvCxnSpPr>
+          <p:nvPr/>
+        </p:nvCxnSpPr>
+        <p:spPr>
+          <a:xfrm flipV="1">
+            <a:off x="8444204" y="3909527"/>
+            <a:ext cx="2332653" cy="922470"/>
+          </a:xfrm>
+          <a:prstGeom prst="bentConnector2">
+            <a:avLst/>
+          </a:prstGeom>
+          <a:ln w="76200">
+            <a:headEnd type="triangle"/>
+            <a:tailEnd type="triangle"/>
+          </a:ln>
+        </p:spPr>
+        <p:style>
+          <a:lnRef idx="3">
+            <a:schemeClr val="accent2"/>
+          </a:lnRef>
+          <a:fillRef idx="0">
+            <a:schemeClr val="accent2"/>
+          </a:fillRef>
+          <a:effectRef idx="2">
+            <a:schemeClr val="accent2"/>
+          </a:effectRef>
+          <a:fontRef idx="minor">
+            <a:schemeClr val="tx1"/>
+          </a:fontRef>
+        </p:style>
+      </p:cxnSp>
+      <p:sp>
+        <p:nvSpPr>
+          <p:cNvPr id="12" name="Rectangle: Rounded Corners 11">
+            <a:extLst>
+              <a:ext uri="{FF2B5EF4-FFF2-40B4-BE49-F238E27FC236}">
+                <a16:creationId xmlns:a16="http://schemas.microsoft.com/office/drawing/2014/main" id="{10F5DD95-DA8D-7A81-C01C-420563003EE8}"/>
+              </a:ext>
+            </a:extLst>
+          </p:cNvPr>
+          <p:cNvSpPr/>
+          <p:nvPr/>
+        </p:nvSpPr>
+        <p:spPr>
+          <a:xfrm>
+            <a:off x="2883159" y="4189447"/>
+            <a:ext cx="2836506" cy="1135812"/>
+          </a:xfrm>
+          <a:prstGeom prst="roundRect">
+            <a:avLst/>
+          </a:prstGeom>
+          <a:solidFill>
+            <a:srgbClr val="002060"/>
+          </a:solidFill>
+        </p:spPr>
+        <p:style>
+          <a:lnRef idx="0">
+            <a:schemeClr val="accent4"/>
+          </a:lnRef>
+          <a:fillRef idx="3">
+            <a:schemeClr val="accent4"/>
+          </a:fillRef>
+          <a:effectRef idx="3">
+            <a:schemeClr val="accent4"/>
+          </a:effectRef>
+          <a:fontRef idx="minor">
+            <a:schemeClr val="lt1"/>
+          </a:fontRef>
+        </p:style>
+        <p:txBody>
+          <a:bodyPr rtlCol="0" anchor="ctr"/>
+          <a:lstStyle/>
+          <a:p>
+            <a:pPr algn="ctr"/>
+            <a:r>
+              <a:rPr lang="en-IN" sz="1400" b="1" dirty="0"/>
+              <a:t>Service Repositories e.g.</a:t>
+            </a:r>
+          </a:p>
+          <a:p>
+            <a:pPr algn="ctr"/>
+            <a:r>
+              <a:rPr lang="en-IN" sz="1400" b="1" dirty="0"/>
+              <a:t>Interface to Connect to DAL + Domain Specific Logic</a:t>
+            </a:r>
+            <a:endParaRPr lang="en-US" sz="1400" b="1" dirty="0"/>
+          </a:p>
+        </p:txBody>
+      </p:sp>
+      <p:cxnSp>
+        <p:nvCxnSpPr>
+          <p:cNvPr id="14" name="Connector: Elbow 13">
+            <a:extLst>
+              <a:ext uri="{FF2B5EF4-FFF2-40B4-BE49-F238E27FC236}">
+                <a16:creationId xmlns:a16="http://schemas.microsoft.com/office/drawing/2014/main" id="{811854E3-71C1-30F2-D5E6-A56617C155AD}"/>
+              </a:ext>
+            </a:extLst>
+          </p:cNvPr>
+          <p:cNvCxnSpPr>
+            <a:stCxn id="12" idx="3"/>
+            <a:endCxn id="9" idx="1"/>
+          </p:cNvCxnSpPr>
+          <p:nvPr/>
+        </p:nvCxnSpPr>
+        <p:spPr>
+          <a:xfrm>
+            <a:off x="5719665" y="4757353"/>
+            <a:ext cx="662474" cy="74644"/>
+          </a:xfrm>
+          <a:prstGeom prst="bentConnector3">
+            <a:avLst/>
+          </a:prstGeom>
+          <a:ln w="76200">
+            <a:headEnd type="triangle"/>
+            <a:tailEnd type="triangle"/>
+          </a:ln>
+        </p:spPr>
+        <p:style>
+          <a:lnRef idx="3">
+            <a:schemeClr val="accent2"/>
+          </a:lnRef>
+          <a:fillRef idx="0">
+            <a:schemeClr val="accent2"/>
+          </a:fillRef>
+          <a:effectRef idx="2">
+            <a:schemeClr val="accent2"/>
+          </a:effectRef>
+          <a:fontRef idx="minor">
+            <a:schemeClr val="tx1"/>
+          </a:fontRef>
+        </p:style>
+      </p:cxnSp>
+      <p:cxnSp>
+        <p:nvCxnSpPr>
+          <p:cNvPr id="16" name="Connector: Elbow 15">
+            <a:extLst>
+              <a:ext uri="{FF2B5EF4-FFF2-40B4-BE49-F238E27FC236}">
+                <a16:creationId xmlns:a16="http://schemas.microsoft.com/office/drawing/2014/main" id="{B45A52DA-1B5C-B7A3-B6B3-72B8721D5C1A}"/>
+              </a:ext>
+            </a:extLst>
+          </p:cNvPr>
+          <p:cNvCxnSpPr>
+            <a:stCxn id="2" idx="2"/>
+            <a:endCxn id="12" idx="0"/>
+          </p:cNvCxnSpPr>
+          <p:nvPr/>
+        </p:nvCxnSpPr>
+        <p:spPr>
+          <a:xfrm rot="5400000">
+            <a:off x="5024534" y="3261050"/>
+            <a:ext cx="205276" cy="1651519"/>
+          </a:xfrm>
+          <a:prstGeom prst="bentConnector3">
+            <a:avLst/>
+          </a:prstGeom>
+          <a:ln w="76200">
+            <a:headEnd type="triangle"/>
+            <a:tailEnd type="triangle"/>
+          </a:ln>
+        </p:spPr>
+        <p:style>
+          <a:lnRef idx="3">
+            <a:schemeClr val="accent2"/>
+          </a:lnRef>
+          <a:fillRef idx="0">
+            <a:schemeClr val="accent2"/>
+          </a:fillRef>
+          <a:effectRef idx="2">
+            <a:schemeClr val="accent2"/>
+          </a:effectRef>
+          <a:fontRef idx="minor">
+            <a:schemeClr val="tx1"/>
+          </a:fontRef>
+        </p:style>
+      </p:cxnSp>
+    </p:spTree>
+    <p:extLst>
+      <p:ext uri="{BB962C8B-B14F-4D97-AF65-F5344CB8AC3E}">
+        <p14:creationId xmlns:p14="http://schemas.microsoft.com/office/powerpoint/2010/main" val="1193275808"/>
+      </p:ext>
+    </p:extLst>
+  </p:cSld>
+  <p:clrMapOvr>
+    <a:masterClrMapping/>
+  </p:clrMapOvr>
+</p:sld>
+</file>
+
+<file path=ppt/slides/slide6.xml><?xml version="1.0" encoding="utf-8"?>
+<p:sld xmlns:a="http://schemas.openxmlformats.org/drawingml/2006/main" xmlns:r="http://schemas.openxmlformats.org/officeDocument/2006/relationships" xmlns:p="http://schemas.openxmlformats.org/presentationml/2006/main">
+  <p:cSld>
+    <p:spTree>
+      <p:nvGrpSpPr>
+        <p:cNvPr id="1" name=""/>
+        <p:cNvGrpSpPr/>
+        <p:nvPr/>
+      </p:nvGrpSpPr>
+      <p:grpSpPr>
+        <a:xfrm>
+          <a:off x="0" y="0"/>
+          <a:ext cx="0" cy="0"/>
+          <a:chOff x="0" y="0"/>
+          <a:chExt cx="0" cy="0"/>
+        </a:xfrm>
+      </p:grpSpPr>
+      <p:sp>
+        <p:nvSpPr>
+          <p:cNvPr id="3" name="Rectangle 2">
+            <a:extLst>
+              <a:ext uri="{FF2B5EF4-FFF2-40B4-BE49-F238E27FC236}">
+                <a16:creationId xmlns:a16="http://schemas.microsoft.com/office/drawing/2014/main" id="{F137D886-C065-A966-F279-DB4412583239}"/>
+              </a:ext>
+            </a:extLst>
+          </p:cNvPr>
+          <p:cNvSpPr/>
+          <p:nvPr/>
+        </p:nvSpPr>
+        <p:spPr>
+          <a:xfrm>
+            <a:off x="2584580" y="625151"/>
+            <a:ext cx="6522098" cy="5756988"/>
+          </a:xfrm>
+          <a:prstGeom prst="rect">
+            <a:avLst/>
+          </a:prstGeom>
+        </p:spPr>
+        <p:style>
+          <a:lnRef idx="3">
+            <a:schemeClr val="lt1"/>
+          </a:lnRef>
+          <a:fillRef idx="1">
+            <a:schemeClr val="accent3"/>
+          </a:fillRef>
+          <a:effectRef idx="1">
+            <a:schemeClr val="accent3"/>
+          </a:effectRef>
+          <a:fontRef idx="minor">
+            <a:schemeClr val="lt1"/>
+          </a:fontRef>
+        </p:style>
+        <p:txBody>
+          <a:bodyPr rtlCol="0" anchor="ctr"/>
+          <a:lstStyle/>
+          <a:p>
+            <a:pPr algn="ctr"/>
             <a:endParaRPr lang="en-US"/>
+          </a:p>
+        </p:txBody>
+      </p:sp>
+      <p:sp>
+        <p:nvSpPr>
+          <p:cNvPr id="2" name="Rectangle 1">
+            <a:extLst>
+              <a:ext uri="{FF2B5EF4-FFF2-40B4-BE49-F238E27FC236}">
+                <a16:creationId xmlns:a16="http://schemas.microsoft.com/office/drawing/2014/main" id="{0336276D-5CE3-5E4A-E055-A4C2EDE063C5}"/>
+              </a:ext>
+            </a:extLst>
+          </p:cNvPr>
+          <p:cNvSpPr/>
+          <p:nvPr/>
+        </p:nvSpPr>
+        <p:spPr>
+          <a:xfrm>
+            <a:off x="2883159" y="923731"/>
+            <a:ext cx="6139543" cy="3060440"/>
+          </a:xfrm>
+          <a:prstGeom prst="rect">
+            <a:avLst/>
+          </a:prstGeom>
+        </p:spPr>
+        <p:style>
+          <a:lnRef idx="2">
+            <a:schemeClr val="accent1">
+              <a:shade val="50000"/>
+            </a:schemeClr>
+          </a:lnRef>
+          <a:fillRef idx="1">
+            <a:schemeClr val="accent1"/>
+          </a:fillRef>
+          <a:effectRef idx="0">
+            <a:schemeClr val="accent1"/>
+          </a:effectRef>
+          <a:fontRef idx="minor">
+            <a:schemeClr val="lt1"/>
+          </a:fontRef>
+        </p:style>
+        <p:txBody>
+          <a:bodyPr rtlCol="0" anchor="ctr"/>
+          <a:lstStyle/>
+          <a:p>
+            <a:pPr algn="ctr"/>
+            <a:r>
+              <a:rPr lang="en-IN" b="1" dirty="0"/>
+              <a:t>Azure Function Class</a:t>
+            </a:r>
+          </a:p>
+          <a:p>
+            <a:pPr algn="ctr"/>
+            <a:endParaRPr lang="en-IN" b="1" dirty="0"/>
+          </a:p>
+          <a:p>
+            <a:pPr algn="ctr"/>
+            <a:endParaRPr lang="en-IN" b="1" dirty="0"/>
+          </a:p>
+          <a:p>
+            <a:pPr algn="ctr"/>
+            <a:endParaRPr lang="en-IN" b="1" dirty="0"/>
+          </a:p>
+          <a:p>
+            <a:pPr algn="ctr"/>
+            <a:endParaRPr lang="en-IN" b="1" dirty="0"/>
+          </a:p>
+          <a:p>
+            <a:pPr algn="ctr"/>
+            <a:endParaRPr lang="en-IN" b="1" dirty="0"/>
+          </a:p>
+          <a:p>
+            <a:pPr algn="ctr"/>
+            <a:endParaRPr lang="en-IN" b="1" dirty="0"/>
+          </a:p>
+          <a:p>
+            <a:pPr algn="ctr"/>
+            <a:endParaRPr lang="en-IN" b="1" dirty="0"/>
+          </a:p>
+          <a:p>
+            <a:pPr algn="ctr"/>
+            <a:endParaRPr lang="en-IN" b="1" dirty="0"/>
+          </a:p>
+          <a:p>
+            <a:pPr algn="ctr"/>
+            <a:endParaRPr lang="en-US" b="1" dirty="0"/>
+          </a:p>
+        </p:txBody>
+      </p:sp>
+      <p:sp>
+        <p:nvSpPr>
+          <p:cNvPr id="4" name="TextBox 3">
+            <a:extLst>
+              <a:ext uri="{FF2B5EF4-FFF2-40B4-BE49-F238E27FC236}">
+                <a16:creationId xmlns:a16="http://schemas.microsoft.com/office/drawing/2014/main" id="{CF527D07-A83F-A8FF-68C4-3A9196F3FF6B}"/>
+              </a:ext>
+            </a:extLst>
+          </p:cNvPr>
+          <p:cNvSpPr txBox="1"/>
+          <p:nvPr/>
+        </p:nvSpPr>
+        <p:spPr>
+          <a:xfrm>
+            <a:off x="2883159" y="5530533"/>
+            <a:ext cx="5561045" cy="646331"/>
+          </a:xfrm>
+          <a:prstGeom prst="rect">
+            <a:avLst/>
+          </a:prstGeom>
+          <a:noFill/>
+        </p:spPr>
+        <p:txBody>
+          <a:bodyPr wrap="square" rtlCol="0">
+            <a:spAutoFit/>
+          </a:bodyPr>
+          <a:lstStyle/>
+          <a:p>
+            <a:pPr algn="ctr"/>
+            <a:r>
+              <a:rPr lang="en-IN" dirty="0"/>
+              <a:t>Azure Function Hosting Environment (dotnet.exe + WebJob)</a:t>
+            </a:r>
+            <a:endParaRPr lang="en-US" dirty="0"/>
+          </a:p>
+        </p:txBody>
+      </p:sp>
+      <p:sp>
+        <p:nvSpPr>
+          <p:cNvPr id="5" name="Rectangle 4">
+            <a:extLst>
+              <a:ext uri="{FF2B5EF4-FFF2-40B4-BE49-F238E27FC236}">
+                <a16:creationId xmlns:a16="http://schemas.microsoft.com/office/drawing/2014/main" id="{1BECE896-884A-6C66-9C23-A07C00E7D564}"/>
+              </a:ext>
+            </a:extLst>
+          </p:cNvPr>
+          <p:cNvSpPr/>
+          <p:nvPr/>
+        </p:nvSpPr>
+        <p:spPr>
+          <a:xfrm>
+            <a:off x="2957803" y="1679510"/>
+            <a:ext cx="6008915" cy="550506"/>
+          </a:xfrm>
+          <a:prstGeom prst="rect">
+            <a:avLst/>
+          </a:prstGeom>
+        </p:spPr>
+        <p:style>
+          <a:lnRef idx="1">
+            <a:schemeClr val="accent2"/>
+          </a:lnRef>
+          <a:fillRef idx="3">
+            <a:schemeClr val="accent2"/>
+          </a:fillRef>
+          <a:effectRef idx="2">
+            <a:schemeClr val="accent2"/>
+          </a:effectRef>
+          <a:fontRef idx="minor">
+            <a:schemeClr val="lt1"/>
+          </a:fontRef>
+        </p:style>
+        <p:txBody>
+          <a:bodyPr rtlCol="0" anchor="ctr"/>
+          <a:lstStyle/>
+          <a:p>
+            <a:pPr algn="ctr"/>
+            <a:r>
+              <a:rPr lang="en-IN" dirty="0"/>
+              <a:t>Function Method</a:t>
+            </a:r>
+            <a:endParaRPr lang="en-US" dirty="0"/>
+          </a:p>
+        </p:txBody>
+      </p:sp>
+      <p:sp>
+        <p:nvSpPr>
+          <p:cNvPr id="6" name="Rectangle 5">
+            <a:extLst>
+              <a:ext uri="{FF2B5EF4-FFF2-40B4-BE49-F238E27FC236}">
+                <a16:creationId xmlns:a16="http://schemas.microsoft.com/office/drawing/2014/main" id="{72684C0C-D523-FF8F-A5C9-053A51347CBC}"/>
+              </a:ext>
+            </a:extLst>
+          </p:cNvPr>
+          <p:cNvSpPr/>
+          <p:nvPr/>
+        </p:nvSpPr>
+        <p:spPr>
+          <a:xfrm>
+            <a:off x="2957803" y="2382416"/>
+            <a:ext cx="6008915" cy="550506"/>
+          </a:xfrm>
+          <a:prstGeom prst="rect">
+            <a:avLst/>
+          </a:prstGeom>
+        </p:spPr>
+        <p:style>
+          <a:lnRef idx="1">
+            <a:schemeClr val="accent2"/>
+          </a:lnRef>
+          <a:fillRef idx="3">
+            <a:schemeClr val="accent2"/>
+          </a:fillRef>
+          <a:effectRef idx="2">
+            <a:schemeClr val="accent2"/>
+          </a:effectRef>
+          <a:fontRef idx="minor">
+            <a:schemeClr val="lt1"/>
+          </a:fontRef>
+        </p:style>
+        <p:txBody>
+          <a:bodyPr rtlCol="0" anchor="ctr"/>
+          <a:lstStyle/>
+          <a:p>
+            <a:pPr algn="ctr"/>
+            <a:r>
+              <a:rPr lang="en-IN" dirty="0"/>
+              <a:t>Function Method</a:t>
+            </a:r>
+            <a:endParaRPr lang="en-US" dirty="0"/>
+          </a:p>
+        </p:txBody>
+      </p:sp>
+      <p:sp>
+        <p:nvSpPr>
+          <p:cNvPr id="7" name="Rectangle 6">
+            <a:extLst>
+              <a:ext uri="{FF2B5EF4-FFF2-40B4-BE49-F238E27FC236}">
+                <a16:creationId xmlns:a16="http://schemas.microsoft.com/office/drawing/2014/main" id="{966C7379-0DB2-6D58-BB98-D433FCB881EB}"/>
+              </a:ext>
+            </a:extLst>
+          </p:cNvPr>
+          <p:cNvSpPr/>
+          <p:nvPr/>
+        </p:nvSpPr>
+        <p:spPr>
+          <a:xfrm>
+            <a:off x="2957803" y="3085322"/>
+            <a:ext cx="6008915" cy="550506"/>
+          </a:xfrm>
+          <a:prstGeom prst="rect">
+            <a:avLst/>
+          </a:prstGeom>
+        </p:spPr>
+        <p:style>
+          <a:lnRef idx="1">
+            <a:schemeClr val="accent2"/>
+          </a:lnRef>
+          <a:fillRef idx="3">
+            <a:schemeClr val="accent2"/>
+          </a:fillRef>
+          <a:effectRef idx="2">
+            <a:schemeClr val="accent2"/>
+          </a:effectRef>
+          <a:fontRef idx="minor">
+            <a:schemeClr val="lt1"/>
+          </a:fontRef>
+        </p:style>
+        <p:txBody>
+          <a:bodyPr rtlCol="0" anchor="ctr"/>
+          <a:lstStyle/>
+          <a:p>
+            <a:pPr algn="ctr"/>
+            <a:r>
+              <a:rPr lang="en-IN" dirty="0"/>
+              <a:t>Function Method</a:t>
+            </a:r>
+            <a:endParaRPr lang="en-US" dirty="0"/>
+          </a:p>
+        </p:txBody>
+      </p:sp>
+      <p:sp>
+        <p:nvSpPr>
+          <p:cNvPr id="8" name="Flowchart: Magnetic Disk 7">
+            <a:extLst>
+              <a:ext uri="{FF2B5EF4-FFF2-40B4-BE49-F238E27FC236}">
+                <a16:creationId xmlns:a16="http://schemas.microsoft.com/office/drawing/2014/main" id="{FF708C1F-1D5C-1A00-902B-7627304EFD33}"/>
+              </a:ext>
+            </a:extLst>
+          </p:cNvPr>
+          <p:cNvSpPr/>
+          <p:nvPr/>
+        </p:nvSpPr>
+        <p:spPr>
+          <a:xfrm>
+            <a:off x="9741159" y="2657669"/>
+            <a:ext cx="2071396" cy="1251858"/>
+          </a:xfrm>
+          <a:prstGeom prst="flowChartMagneticDisk">
+            <a:avLst/>
+          </a:prstGeom>
+        </p:spPr>
+        <p:style>
+          <a:lnRef idx="2">
+            <a:schemeClr val="accent1">
+              <a:shade val="50000"/>
+            </a:schemeClr>
+          </a:lnRef>
+          <a:fillRef idx="1">
+            <a:schemeClr val="accent1"/>
+          </a:fillRef>
+          <a:effectRef idx="0">
+            <a:schemeClr val="accent1"/>
+          </a:effectRef>
+          <a:fontRef idx="minor">
+            <a:schemeClr val="lt1"/>
+          </a:fontRef>
+        </p:style>
+        <p:txBody>
+          <a:bodyPr rtlCol="0" anchor="ctr"/>
+          <a:lstStyle/>
+          <a:p>
+            <a:pPr algn="ctr"/>
+            <a:r>
+              <a:rPr lang="en-IN" b="1" dirty="0"/>
+              <a:t>DB</a:t>
+            </a:r>
+            <a:endParaRPr lang="en-US" b="1" dirty="0"/>
+          </a:p>
+        </p:txBody>
+      </p:sp>
+      <p:sp>
+        <p:nvSpPr>
+          <p:cNvPr id="17" name="Rectangle: Rounded Corners 16">
+            <a:extLst>
+              <a:ext uri="{FF2B5EF4-FFF2-40B4-BE49-F238E27FC236}">
+                <a16:creationId xmlns:a16="http://schemas.microsoft.com/office/drawing/2014/main" id="{9046BC60-032D-64CA-0830-E5C0D2C6B5BA}"/>
+              </a:ext>
+            </a:extLst>
+          </p:cNvPr>
+          <p:cNvSpPr/>
+          <p:nvPr/>
+        </p:nvSpPr>
+        <p:spPr>
+          <a:xfrm>
+            <a:off x="2789853" y="4136572"/>
+            <a:ext cx="6176865" cy="1393962"/>
+          </a:xfrm>
+          <a:prstGeom prst="roundRect">
+            <a:avLst/>
+          </a:prstGeom>
+        </p:spPr>
+        <p:style>
+          <a:lnRef idx="2">
+            <a:schemeClr val="accent6"/>
+          </a:lnRef>
+          <a:fillRef idx="1">
+            <a:schemeClr val="lt1"/>
+          </a:fillRef>
+          <a:effectRef idx="0">
+            <a:schemeClr val="accent6"/>
+          </a:effectRef>
+          <a:fontRef idx="minor">
+            <a:schemeClr val="dk1"/>
+          </a:fontRef>
+        </p:style>
+        <p:txBody>
+          <a:bodyPr rtlCol="0" anchor="ctr"/>
+          <a:lstStyle/>
+          <a:p>
+            <a:pPr algn="ctr"/>
+            <a:endParaRPr lang="en-US"/>
+          </a:p>
+        </p:txBody>
+      </p:sp>
+      <p:sp>
+        <p:nvSpPr>
+          <p:cNvPr id="18" name="TextBox 17">
+            <a:extLst>
+              <a:ext uri="{FF2B5EF4-FFF2-40B4-BE49-F238E27FC236}">
+                <a16:creationId xmlns:a16="http://schemas.microsoft.com/office/drawing/2014/main" id="{50F0406B-4437-54A7-3996-C144E9370CD1}"/>
+              </a:ext>
+            </a:extLst>
+          </p:cNvPr>
+          <p:cNvSpPr txBox="1"/>
+          <p:nvPr/>
+        </p:nvSpPr>
+        <p:spPr>
+          <a:xfrm>
+            <a:off x="4248539" y="5113177"/>
+            <a:ext cx="3694922" cy="369332"/>
+          </a:xfrm>
+          <a:prstGeom prst="rect">
+            <a:avLst/>
+          </a:prstGeom>
+          <a:noFill/>
+        </p:spPr>
+        <p:txBody>
+          <a:bodyPr wrap="square" rtlCol="0">
+            <a:spAutoFit/>
+          </a:bodyPr>
+          <a:lstStyle/>
+          <a:p>
+            <a:pPr algn="ctr"/>
+            <a:r>
+              <a:rPr lang="en-IN" b="1" dirty="0"/>
+              <a:t>DI Container</a:t>
+            </a:r>
+            <a:endParaRPr lang="en-US" b="1" dirty="0"/>
+          </a:p>
+        </p:txBody>
+      </p:sp>
+      <p:sp>
+        <p:nvSpPr>
+          <p:cNvPr id="12" name="Rectangle: Rounded Corners 11">
+            <a:extLst>
+              <a:ext uri="{FF2B5EF4-FFF2-40B4-BE49-F238E27FC236}">
+                <a16:creationId xmlns:a16="http://schemas.microsoft.com/office/drawing/2014/main" id="{10F5DD95-DA8D-7A81-C01C-420563003EE8}"/>
+              </a:ext>
+            </a:extLst>
+          </p:cNvPr>
+          <p:cNvSpPr/>
+          <p:nvPr/>
+        </p:nvSpPr>
+        <p:spPr>
+          <a:xfrm>
+            <a:off x="2830286" y="4178659"/>
+            <a:ext cx="2572138" cy="999831"/>
+          </a:xfrm>
+          <a:prstGeom prst="roundRect">
+            <a:avLst/>
+          </a:prstGeom>
+          <a:solidFill>
+            <a:srgbClr val="002060"/>
+          </a:solidFill>
+        </p:spPr>
+        <p:style>
+          <a:lnRef idx="0">
+            <a:schemeClr val="accent4"/>
+          </a:lnRef>
+          <a:fillRef idx="3">
+            <a:schemeClr val="accent4"/>
+          </a:fillRef>
+          <a:effectRef idx="3">
+            <a:schemeClr val="accent4"/>
+          </a:effectRef>
+          <a:fontRef idx="minor">
+            <a:schemeClr val="lt1"/>
+          </a:fontRef>
+        </p:style>
+        <p:txBody>
+          <a:bodyPr rtlCol="0" anchor="ctr"/>
+          <a:lstStyle/>
+          <a:p>
+            <a:pPr algn="ctr"/>
+            <a:r>
+              <a:rPr lang="en-IN" sz="1400" b="1" dirty="0"/>
+              <a:t>Service Repositories e.g.</a:t>
+            </a:r>
+          </a:p>
+          <a:p>
+            <a:pPr algn="ctr"/>
+            <a:r>
+              <a:rPr lang="en-IN" sz="1400" b="1" dirty="0"/>
+              <a:t>Interface to Connect to DAL + Domain Specific Logic</a:t>
+            </a:r>
+            <a:endParaRPr lang="en-US" sz="1400" b="1" dirty="0"/>
+          </a:p>
+        </p:txBody>
+      </p:sp>
+      <p:sp>
+        <p:nvSpPr>
+          <p:cNvPr id="9" name="Rectangle: Rounded Corners 8">
+            <a:extLst>
+              <a:ext uri="{FF2B5EF4-FFF2-40B4-BE49-F238E27FC236}">
+                <a16:creationId xmlns:a16="http://schemas.microsoft.com/office/drawing/2014/main" id="{16B3C8CC-B58C-8E50-998F-621C4331D53E}"/>
+              </a:ext>
+            </a:extLst>
+          </p:cNvPr>
+          <p:cNvSpPr/>
+          <p:nvPr/>
+        </p:nvSpPr>
+        <p:spPr>
+          <a:xfrm>
+            <a:off x="6688494" y="4246688"/>
+            <a:ext cx="2062065" cy="986523"/>
+          </a:xfrm>
+          <a:prstGeom prst="roundRect">
+            <a:avLst/>
+          </a:prstGeom>
+        </p:spPr>
+        <p:style>
+          <a:lnRef idx="0">
+            <a:schemeClr val="accent4"/>
+          </a:lnRef>
+          <a:fillRef idx="3">
+            <a:schemeClr val="accent4"/>
+          </a:fillRef>
+          <a:effectRef idx="3">
+            <a:schemeClr val="accent4"/>
+          </a:effectRef>
+          <a:fontRef idx="minor">
+            <a:schemeClr val="lt1"/>
+          </a:fontRef>
+        </p:style>
+        <p:txBody>
+          <a:bodyPr rtlCol="0" anchor="ctr"/>
+          <a:lstStyle/>
+          <a:p>
+            <a:pPr algn="ctr"/>
+            <a:r>
+              <a:rPr lang="en-IN" b="1" dirty="0"/>
+              <a:t>Data Access Layer</a:t>
+            </a:r>
+            <a:endParaRPr lang="en-US" b="1" dirty="0"/>
+          </a:p>
+        </p:txBody>
+      </p:sp>
+      <p:cxnSp>
+        <p:nvCxnSpPr>
+          <p:cNvPr id="20" name="Connector: Elbow 19">
+            <a:extLst>
+              <a:ext uri="{FF2B5EF4-FFF2-40B4-BE49-F238E27FC236}">
+                <a16:creationId xmlns:a16="http://schemas.microsoft.com/office/drawing/2014/main" id="{F2BE9F82-4F3F-60B3-DFC7-3D0A08F21012}"/>
+              </a:ext>
+            </a:extLst>
+          </p:cNvPr>
+          <p:cNvCxnSpPr>
+            <a:stCxn id="12" idx="3"/>
+          </p:cNvCxnSpPr>
+          <p:nvPr/>
+        </p:nvCxnSpPr>
+        <p:spPr>
+          <a:xfrm>
+            <a:off x="5402424" y="4678575"/>
+            <a:ext cx="1222311" cy="61375"/>
+          </a:xfrm>
+          <a:prstGeom prst="bentConnector3">
+            <a:avLst/>
+          </a:prstGeom>
+          <a:ln w="76200">
+            <a:solidFill>
+              <a:srgbClr val="FFC000"/>
+            </a:solidFill>
+            <a:headEnd type="triangle"/>
+            <a:tailEnd type="triangle"/>
+          </a:ln>
+        </p:spPr>
+        <p:style>
+          <a:lnRef idx="1">
+            <a:schemeClr val="accent1"/>
+          </a:lnRef>
+          <a:fillRef idx="0">
+            <a:schemeClr val="accent1"/>
+          </a:fillRef>
+          <a:effectRef idx="0">
+            <a:schemeClr val="accent1"/>
+          </a:effectRef>
+          <a:fontRef idx="minor">
+            <a:schemeClr val="tx1"/>
+          </a:fontRef>
+        </p:style>
+      </p:cxnSp>
+      <p:cxnSp>
+        <p:nvCxnSpPr>
+          <p:cNvPr id="22" name="Connector: Elbow 21">
+            <a:extLst>
+              <a:ext uri="{FF2B5EF4-FFF2-40B4-BE49-F238E27FC236}">
+                <a16:creationId xmlns:a16="http://schemas.microsoft.com/office/drawing/2014/main" id="{F789B8A4-146B-85F1-35A9-D5B50708CC72}"/>
+              </a:ext>
+            </a:extLst>
+          </p:cNvPr>
+          <p:cNvCxnSpPr>
+            <a:stCxn id="9" idx="3"/>
+            <a:endCxn id="8" idx="3"/>
+          </p:cNvCxnSpPr>
+          <p:nvPr/>
+        </p:nvCxnSpPr>
+        <p:spPr>
+          <a:xfrm flipV="1">
+            <a:off x="8750559" y="3909527"/>
+            <a:ext cx="2026298" cy="830423"/>
+          </a:xfrm>
+          <a:prstGeom prst="bentConnector2">
+            <a:avLst/>
+          </a:prstGeom>
+          <a:ln w="76200">
+            <a:solidFill>
+              <a:srgbClr val="FFC000"/>
+            </a:solidFill>
+            <a:headEnd type="triangle"/>
+            <a:tailEnd type="triangle"/>
+          </a:ln>
+        </p:spPr>
+        <p:style>
+          <a:lnRef idx="1">
+            <a:schemeClr val="accent1"/>
+          </a:lnRef>
+          <a:fillRef idx="0">
+            <a:schemeClr val="accent1"/>
+          </a:fillRef>
+          <a:effectRef idx="0">
+            <a:schemeClr val="accent1"/>
+          </a:effectRef>
+          <a:fontRef idx="minor">
+            <a:schemeClr val="tx1"/>
+          </a:fontRef>
+        </p:style>
+      </p:cxnSp>
+      <p:cxnSp>
+        <p:nvCxnSpPr>
+          <p:cNvPr id="24" name="Straight Arrow Connector 23">
+            <a:extLst>
+              <a:ext uri="{FF2B5EF4-FFF2-40B4-BE49-F238E27FC236}">
+                <a16:creationId xmlns:a16="http://schemas.microsoft.com/office/drawing/2014/main" id="{A945E28E-DB1C-E422-D7C6-034C5387A5DA}"/>
+              </a:ext>
+            </a:extLst>
+          </p:cNvPr>
+          <p:cNvCxnSpPr>
+            <a:stCxn id="12" idx="0"/>
+          </p:cNvCxnSpPr>
+          <p:nvPr/>
+        </p:nvCxnSpPr>
+        <p:spPr>
+          <a:xfrm flipV="1">
+            <a:off x="4116355" y="1474237"/>
+            <a:ext cx="1146110" cy="2704422"/>
+          </a:xfrm>
+          <a:prstGeom prst="straightConnector1">
+            <a:avLst/>
+          </a:prstGeom>
+          <a:ln w="76200">
+            <a:solidFill>
+              <a:srgbClr val="FFC000"/>
+            </a:solidFill>
+            <a:tailEnd type="triangle"/>
+          </a:ln>
+        </p:spPr>
+        <p:style>
+          <a:lnRef idx="1">
+            <a:schemeClr val="accent1"/>
+          </a:lnRef>
+          <a:fillRef idx="0">
+            <a:schemeClr val="accent1"/>
+          </a:fillRef>
+          <a:effectRef idx="0">
+            <a:schemeClr val="accent1"/>
+          </a:effectRef>
+          <a:fontRef idx="minor">
+            <a:schemeClr val="tx1"/>
+          </a:fontRef>
+        </p:style>
+      </p:cxnSp>
+      <p:sp>
+        <p:nvSpPr>
+          <p:cNvPr id="25" name="TextBox 24">
+            <a:extLst>
+              <a:ext uri="{FF2B5EF4-FFF2-40B4-BE49-F238E27FC236}">
+                <a16:creationId xmlns:a16="http://schemas.microsoft.com/office/drawing/2014/main" id="{71F3A5E6-97B8-24DF-57C9-969C78BCBBA5}"/>
+              </a:ext>
+            </a:extLst>
+          </p:cNvPr>
+          <p:cNvSpPr txBox="1"/>
+          <p:nvPr/>
+        </p:nvSpPr>
+        <p:spPr>
+          <a:xfrm>
+            <a:off x="9601200" y="242596"/>
+            <a:ext cx="2397967" cy="646331"/>
+          </a:xfrm>
+          <a:prstGeom prst="rect">
+            <a:avLst/>
+          </a:prstGeom>
+          <a:noFill/>
+        </p:spPr>
+        <p:txBody>
+          <a:bodyPr wrap="square" rtlCol="0">
+            <a:spAutoFit/>
+          </a:bodyPr>
+          <a:lstStyle/>
+          <a:p>
+            <a:r>
+              <a:rPr lang="en-IN" dirty="0"/>
+              <a:t>All dependencies MUST be Injected</a:t>
+            </a:r>
+            <a:endParaRPr lang="en-US" dirty="0"/>
+          </a:p>
+        </p:txBody>
+      </p:sp>
+    </p:spTree>
+    <p:extLst>
+      <p:ext uri="{BB962C8B-B14F-4D97-AF65-F5344CB8AC3E}">
+        <p14:creationId xmlns:p14="http://schemas.microsoft.com/office/powerpoint/2010/main" val="3395749308"/>
+      </p:ext>
+    </p:extLst>
+  </p:cSld>
+  <p:clrMapOvr>
+    <a:masterClrMapping/>
+  </p:clrMapOvr>
+</p:sld>
+</file>
+
+<file path=ppt/slides/slide7.xml><?xml version="1.0" encoding="utf-8"?>
+<p:sld xmlns:a="http://schemas.openxmlformats.org/drawingml/2006/main" xmlns:r="http://schemas.openxmlformats.org/officeDocument/2006/relationships" xmlns:p="http://schemas.openxmlformats.org/presentationml/2006/main">
+  <p:cSld>
+    <p:spTree>
+      <p:nvGrpSpPr>
+        <p:cNvPr id="1" name=""/>
+        <p:cNvGrpSpPr/>
+        <p:nvPr/>
+      </p:nvGrpSpPr>
+      <p:grpSpPr>
+        <a:xfrm>
+          <a:off x="0" y="0"/>
+          <a:ext cx="0" cy="0"/>
+          <a:chOff x="0" y="0"/>
+          <a:chExt cx="0" cy="0"/>
+        </a:xfrm>
+      </p:grpSpPr>
+      <p:sp>
+        <p:nvSpPr>
+          <p:cNvPr id="2" name="TextBox 1">
+            <a:extLst>
+              <a:ext uri="{FF2B5EF4-FFF2-40B4-BE49-F238E27FC236}">
+                <a16:creationId xmlns:a16="http://schemas.microsoft.com/office/drawing/2014/main" id="{DD15BC2D-46DF-5CA5-15DF-F2BA68DC5A3A}"/>
+              </a:ext>
+            </a:extLst>
+          </p:cNvPr>
+          <p:cNvSpPr txBox="1"/>
+          <p:nvPr/>
+        </p:nvSpPr>
+        <p:spPr>
+          <a:xfrm>
+            <a:off x="121298" y="186612"/>
+            <a:ext cx="11831216" cy="4801314"/>
+          </a:xfrm>
+          <a:prstGeom prst="rect">
+            <a:avLst/>
+          </a:prstGeom>
+          <a:noFill/>
+        </p:spPr>
+        <p:txBody>
+          <a:bodyPr wrap="square" rtlCol="0">
+            <a:spAutoFit/>
+          </a:bodyPr>
+          <a:lstStyle/>
+          <a:p>
+            <a:r>
+              <a:rPr lang="en-IN" dirty="0"/>
+              <a:t>Challenges to Deploy it on Cloud for High-Availability</a:t>
+            </a:r>
+          </a:p>
+          <a:p>
+            <a:endParaRPr lang="en-IN" dirty="0"/>
+          </a:p>
+          <a:p>
+            <a:endParaRPr lang="en-IN" dirty="0"/>
+          </a:p>
+          <a:p>
+            <a:pPr marL="285750" indent="-285750">
+              <a:buFont typeface="Arial" panose="020B0604020202020204" pitchFamily="34" charset="0"/>
+              <a:buChar char="•"/>
+            </a:pPr>
+            <a:r>
+              <a:rPr lang="en-IN" dirty="0"/>
+              <a:t>Azure Subscription</a:t>
+            </a:r>
+          </a:p>
+          <a:p>
+            <a:pPr marL="285750" indent="-285750">
+              <a:buFont typeface="Arial" panose="020B0604020202020204" pitchFamily="34" charset="0"/>
+              <a:buChar char="•"/>
+            </a:pPr>
+            <a:r>
+              <a:rPr lang="en-IN" dirty="0"/>
+              <a:t>Create Resource Group</a:t>
+            </a:r>
+          </a:p>
+          <a:p>
+            <a:pPr marL="742950" lvl="1" indent="-285750">
+              <a:buFont typeface="Arial" panose="020B0604020202020204" pitchFamily="34" charset="0"/>
+              <a:buChar char="•"/>
+            </a:pPr>
+            <a:r>
+              <a:rPr lang="en-IN" dirty="0"/>
+              <a:t>Like folder that contains all Azure Resources for the Applciation</a:t>
+            </a:r>
+          </a:p>
+          <a:p>
+            <a:pPr marL="285750" indent="-285750">
+              <a:buFont typeface="Arial" panose="020B0604020202020204" pitchFamily="34" charset="0"/>
+              <a:buChar char="•"/>
+            </a:pPr>
+            <a:r>
+              <a:rPr lang="en-IN" dirty="0"/>
+              <a:t>Migration Database Server</a:t>
+            </a:r>
+          </a:p>
+          <a:p>
+            <a:pPr marL="742950" lvl="1" indent="-285750">
+              <a:buFont typeface="Arial" panose="020B0604020202020204" pitchFamily="34" charset="0"/>
+              <a:buChar char="•"/>
+            </a:pPr>
+            <a:r>
+              <a:rPr lang="en-IN" dirty="0"/>
+              <a:t>Create a Database Server</a:t>
+            </a:r>
+          </a:p>
+          <a:p>
+            <a:pPr marL="1200150" lvl="2" indent="-285750">
+              <a:buFont typeface="Arial" panose="020B0604020202020204" pitchFamily="34" charset="0"/>
+              <a:buChar char="•"/>
+            </a:pPr>
+            <a:r>
+              <a:rPr lang="en-IN" dirty="0"/>
+              <a:t>Deploy On-Premises Database to Cloud</a:t>
+            </a:r>
+          </a:p>
+          <a:p>
+            <a:pPr marL="1657350" lvl="3" indent="-285750">
+              <a:buFont typeface="Arial" panose="020B0604020202020204" pitchFamily="34" charset="0"/>
+              <a:buChar char="•"/>
+            </a:pPr>
+            <a:r>
+              <a:rPr lang="en-IN" dirty="0"/>
+              <a:t>OR</a:t>
+            </a:r>
+          </a:p>
+          <a:p>
+            <a:pPr marL="1200150" lvl="2" indent="-285750">
+              <a:buFont typeface="Arial" panose="020B0604020202020204" pitchFamily="34" charset="0"/>
+              <a:buChar char="•"/>
+            </a:pPr>
+            <a:r>
+              <a:rPr lang="en-IN" dirty="0"/>
+              <a:t>Run the Script on Cloud</a:t>
+            </a:r>
+          </a:p>
+          <a:p>
+            <a:pPr marL="1657350" lvl="3" indent="-285750">
+              <a:buFont typeface="Arial" panose="020B0604020202020204" pitchFamily="34" charset="0"/>
+              <a:buChar char="•"/>
+            </a:pPr>
+            <a:r>
+              <a:rPr lang="en-IN" dirty="0"/>
+              <a:t>Take the backpack file for On-Premises Database and Restore it on Cloud Db Server</a:t>
+            </a:r>
+          </a:p>
+          <a:p>
+            <a:pPr marL="742950" lvl="1" indent="-285750">
+              <a:buFont typeface="Arial" panose="020B0604020202020204" pitchFamily="34" charset="0"/>
+              <a:buChar char="•"/>
+            </a:pPr>
+            <a:r>
+              <a:rPr lang="en-IN" dirty="0"/>
+              <a:t>Make sure that the DB Server has the Firewall Set to Access from Your Dev Machine </a:t>
+            </a:r>
+          </a:p>
+          <a:p>
+            <a:pPr marL="742950" lvl="1" indent="-285750">
+              <a:buFont typeface="Arial" panose="020B0604020202020204" pitchFamily="34" charset="0"/>
+              <a:buChar char="•"/>
+            </a:pPr>
+            <a:r>
+              <a:rPr lang="en-IN" dirty="0"/>
+              <a:t>Make sure that the database is available for Communication from Other Deployed Azure Services e.g. Azure Function</a:t>
+            </a:r>
+          </a:p>
+          <a:p>
+            <a:pPr marL="285750" indent="-285750">
+              <a:buFont typeface="Arial" panose="020B0604020202020204" pitchFamily="34" charset="0"/>
+              <a:buChar char="•"/>
+            </a:pPr>
+            <a:r>
+              <a:rPr lang="en-IN" dirty="0"/>
+              <a:t>Modify the Function Code by changing DB Connection String and Test the function and make sure that it is accessing Database </a:t>
+            </a:r>
+          </a:p>
+          <a:p>
+            <a:pPr marL="285750" indent="-285750">
+              <a:buFont typeface="Arial" panose="020B0604020202020204" pitchFamily="34" charset="0"/>
+              <a:buChar char="•"/>
+            </a:pPr>
+            <a:r>
+              <a:rPr lang="en-IN" dirty="0"/>
+              <a:t>Publish the Function </a:t>
+            </a:r>
+            <a:endParaRPr lang="en-US" dirty="0"/>
           </a:p>
         </p:txBody>
       </p:sp>
@@ -6788,6 +8301,1881 @@
     <p:extLst>
       <p:ext uri="{BB962C8B-B14F-4D97-AF65-F5344CB8AC3E}">
         <p14:creationId xmlns:p14="http://schemas.microsoft.com/office/powerpoint/2010/main" val="2515701495"/>
+      </p:ext>
+    </p:extLst>
+  </p:cSld>
+  <p:clrMapOvr>
+    <a:masterClrMapping/>
+  </p:clrMapOvr>
+</p:sld>
+</file>
+
+<file path=ppt/slides/slide8.xml><?xml version="1.0" encoding="utf-8"?>
+<p:sld xmlns:a="http://schemas.openxmlformats.org/drawingml/2006/main" xmlns:r="http://schemas.openxmlformats.org/officeDocument/2006/relationships" xmlns:p="http://schemas.openxmlformats.org/presentationml/2006/main">
+  <p:cSld>
+    <p:spTree>
+      <p:nvGrpSpPr>
+        <p:cNvPr id="1" name=""/>
+        <p:cNvGrpSpPr/>
+        <p:nvPr/>
+      </p:nvGrpSpPr>
+      <p:grpSpPr>
+        <a:xfrm>
+          <a:off x="0" y="0"/>
+          <a:ext cx="0" cy="0"/>
+          <a:chOff x="0" y="0"/>
+          <a:chExt cx="0" cy="0"/>
+        </a:xfrm>
+      </p:grpSpPr>
+      <p:sp>
+        <p:nvSpPr>
+          <p:cNvPr id="2" name="Rectangle 1">
+            <a:extLst>
+              <a:ext uri="{FF2B5EF4-FFF2-40B4-BE49-F238E27FC236}">
+                <a16:creationId xmlns:a16="http://schemas.microsoft.com/office/drawing/2014/main" id="{58F85584-BAE7-2D57-3507-29E9C1598F9D}"/>
+              </a:ext>
+            </a:extLst>
+          </p:cNvPr>
+          <p:cNvSpPr/>
+          <p:nvPr/>
+        </p:nvSpPr>
+        <p:spPr>
+          <a:xfrm>
+            <a:off x="5029200" y="905070"/>
+            <a:ext cx="3956179" cy="1446244"/>
+          </a:xfrm>
+          <a:prstGeom prst="rect">
+            <a:avLst/>
+          </a:prstGeom>
+        </p:spPr>
+        <p:style>
+          <a:lnRef idx="2">
+            <a:schemeClr val="accent1">
+              <a:shade val="50000"/>
+            </a:schemeClr>
+          </a:lnRef>
+          <a:fillRef idx="1">
+            <a:schemeClr val="accent1"/>
+          </a:fillRef>
+          <a:effectRef idx="0">
+            <a:schemeClr val="accent1"/>
+          </a:effectRef>
+          <a:fontRef idx="minor">
+            <a:schemeClr val="lt1"/>
+          </a:fontRef>
+        </p:style>
+        <p:txBody>
+          <a:bodyPr rtlCol="0" anchor="ctr"/>
+          <a:lstStyle/>
+          <a:p>
+            <a:pPr algn="ctr"/>
+            <a:r>
+              <a:rPr lang="en-IN" dirty="0"/>
+              <a:t>Azure Function With HTTP Triggers</a:t>
+            </a:r>
+          </a:p>
+          <a:p>
+            <a:pPr algn="ctr"/>
+            <a:r>
+              <a:rPr lang="en-IN" dirty="0"/>
+              <a:t>Activated when there is HTTP Request</a:t>
+            </a:r>
+          </a:p>
+          <a:p>
+            <a:pPr algn="ctr"/>
+            <a:r>
+              <a:rPr lang="en-IN" dirty="0"/>
+              <a:t>Accepting Newly Created Products to stored them in DB</a:t>
+            </a:r>
+            <a:endParaRPr lang="en-US" dirty="0"/>
+          </a:p>
+        </p:txBody>
+      </p:sp>
+      <p:sp>
+        <p:nvSpPr>
+          <p:cNvPr id="3" name="Cylinder 2">
+            <a:extLst>
+              <a:ext uri="{FF2B5EF4-FFF2-40B4-BE49-F238E27FC236}">
+                <a16:creationId xmlns:a16="http://schemas.microsoft.com/office/drawing/2014/main" id="{642C78F9-76C0-1A58-461D-EA16F88C9EA0}"/>
+              </a:ext>
+            </a:extLst>
+          </p:cNvPr>
+          <p:cNvSpPr/>
+          <p:nvPr/>
+        </p:nvSpPr>
+        <p:spPr>
+          <a:xfrm>
+            <a:off x="9862457" y="1156996"/>
+            <a:ext cx="1978089" cy="942392"/>
+          </a:xfrm>
+          <a:prstGeom prst="can">
+            <a:avLst/>
+          </a:prstGeom>
+        </p:spPr>
+        <p:style>
+          <a:lnRef idx="2">
+            <a:schemeClr val="accent1">
+              <a:shade val="50000"/>
+            </a:schemeClr>
+          </a:lnRef>
+          <a:fillRef idx="1">
+            <a:schemeClr val="accent1"/>
+          </a:fillRef>
+          <a:effectRef idx="0">
+            <a:schemeClr val="accent1"/>
+          </a:effectRef>
+          <a:fontRef idx="minor">
+            <a:schemeClr val="lt1"/>
+          </a:fontRef>
+        </p:style>
+        <p:txBody>
+          <a:bodyPr rtlCol="0" anchor="ctr"/>
+          <a:lstStyle/>
+          <a:p>
+            <a:pPr algn="ctr"/>
+            <a:r>
+              <a:rPr lang="en-IN" b="1" dirty="0"/>
+              <a:t>DB</a:t>
+            </a:r>
+            <a:endParaRPr lang="en-US" b="1" dirty="0"/>
+          </a:p>
+        </p:txBody>
+      </p:sp>
+      <p:sp>
+        <p:nvSpPr>
+          <p:cNvPr id="4" name="Arrow: Left-Right 3">
+            <a:extLst>
+              <a:ext uri="{FF2B5EF4-FFF2-40B4-BE49-F238E27FC236}">
+                <a16:creationId xmlns:a16="http://schemas.microsoft.com/office/drawing/2014/main" id="{79AC16FE-8CF7-EB97-2799-C246FEC05E91}"/>
+              </a:ext>
+            </a:extLst>
+          </p:cNvPr>
+          <p:cNvSpPr/>
+          <p:nvPr/>
+        </p:nvSpPr>
+        <p:spPr>
+          <a:xfrm>
+            <a:off x="8985377" y="1478902"/>
+            <a:ext cx="877079" cy="298580"/>
+          </a:xfrm>
+          <a:prstGeom prst="leftRightArrow">
+            <a:avLst/>
+          </a:prstGeom>
+        </p:spPr>
+        <p:style>
+          <a:lnRef idx="2">
+            <a:schemeClr val="dk1">
+              <a:shade val="50000"/>
+            </a:schemeClr>
+          </a:lnRef>
+          <a:fillRef idx="1">
+            <a:schemeClr val="dk1"/>
+          </a:fillRef>
+          <a:effectRef idx="0">
+            <a:schemeClr val="dk1"/>
+          </a:effectRef>
+          <a:fontRef idx="minor">
+            <a:schemeClr val="lt1"/>
+          </a:fontRef>
+        </p:style>
+        <p:txBody>
+          <a:bodyPr rtlCol="0" anchor="ctr"/>
+          <a:lstStyle/>
+          <a:p>
+            <a:pPr algn="ctr"/>
+            <a:endParaRPr lang="en-US"/>
+          </a:p>
+        </p:txBody>
+      </p:sp>
+      <p:sp>
+        <p:nvSpPr>
+          <p:cNvPr id="5" name="Arrow: Right 4">
+            <a:extLst>
+              <a:ext uri="{FF2B5EF4-FFF2-40B4-BE49-F238E27FC236}">
+                <a16:creationId xmlns:a16="http://schemas.microsoft.com/office/drawing/2014/main" id="{D3FFCD63-A70C-4EFC-B4A4-A1F4AE105F9A}"/>
+              </a:ext>
+            </a:extLst>
+          </p:cNvPr>
+          <p:cNvSpPr/>
+          <p:nvPr/>
+        </p:nvSpPr>
+        <p:spPr>
+          <a:xfrm>
+            <a:off x="587829" y="1138335"/>
+            <a:ext cx="4450702" cy="447869"/>
+          </a:xfrm>
+          <a:prstGeom prst="rightArrow">
+            <a:avLst/>
+          </a:prstGeom>
+          <a:solidFill>
+            <a:srgbClr val="002060"/>
+          </a:solidFill>
+        </p:spPr>
+        <p:style>
+          <a:lnRef idx="2">
+            <a:schemeClr val="accent1">
+              <a:shade val="50000"/>
+            </a:schemeClr>
+          </a:lnRef>
+          <a:fillRef idx="1">
+            <a:schemeClr val="accent1"/>
+          </a:fillRef>
+          <a:effectRef idx="0">
+            <a:schemeClr val="accent1"/>
+          </a:effectRef>
+          <a:fontRef idx="minor">
+            <a:schemeClr val="lt1"/>
+          </a:fontRef>
+        </p:style>
+        <p:txBody>
+          <a:bodyPr rtlCol="0" anchor="ctr"/>
+          <a:lstStyle/>
+          <a:p>
+            <a:pPr algn="ctr"/>
+            <a:r>
+              <a:rPr lang="en-IN" dirty="0"/>
+              <a:t>HTTP Requests</a:t>
+            </a:r>
+            <a:endParaRPr lang="en-US" dirty="0"/>
+          </a:p>
+        </p:txBody>
+      </p:sp>
+      <p:sp>
+        <p:nvSpPr>
+          <p:cNvPr id="6" name="Rectangle 5">
+            <a:extLst>
+              <a:ext uri="{FF2B5EF4-FFF2-40B4-BE49-F238E27FC236}">
+                <a16:creationId xmlns:a16="http://schemas.microsoft.com/office/drawing/2014/main" id="{C031627E-82F2-7DCA-FAF9-988AAB3E9BC3}"/>
+              </a:ext>
+            </a:extLst>
+          </p:cNvPr>
+          <p:cNvSpPr/>
+          <p:nvPr/>
+        </p:nvSpPr>
+        <p:spPr>
+          <a:xfrm>
+            <a:off x="5029199" y="4640425"/>
+            <a:ext cx="3956179" cy="1446244"/>
+          </a:xfrm>
+          <a:prstGeom prst="rect">
+            <a:avLst/>
+          </a:prstGeom>
+        </p:spPr>
+        <p:style>
+          <a:lnRef idx="2">
+            <a:schemeClr val="accent1">
+              <a:shade val="50000"/>
+            </a:schemeClr>
+          </a:lnRef>
+          <a:fillRef idx="1">
+            <a:schemeClr val="accent1"/>
+          </a:fillRef>
+          <a:effectRef idx="0">
+            <a:schemeClr val="accent1"/>
+          </a:effectRef>
+          <a:fontRef idx="minor">
+            <a:schemeClr val="lt1"/>
+          </a:fontRef>
+        </p:style>
+        <p:txBody>
+          <a:bodyPr rtlCol="0" anchor="ctr"/>
+          <a:lstStyle/>
+          <a:p>
+            <a:pPr algn="ctr"/>
+            <a:r>
+              <a:rPr lang="en-IN" dirty="0"/>
+              <a:t>ProductCatalog App</a:t>
+            </a:r>
+            <a:endParaRPr lang="en-US" dirty="0"/>
+          </a:p>
+        </p:txBody>
+      </p:sp>
+      <p:sp>
+        <p:nvSpPr>
+          <p:cNvPr id="7" name="Cylinder 6">
+            <a:extLst>
+              <a:ext uri="{FF2B5EF4-FFF2-40B4-BE49-F238E27FC236}">
+                <a16:creationId xmlns:a16="http://schemas.microsoft.com/office/drawing/2014/main" id="{ED374616-F5BF-FF1F-931A-8881C84C8C71}"/>
+              </a:ext>
+            </a:extLst>
+          </p:cNvPr>
+          <p:cNvSpPr/>
+          <p:nvPr/>
+        </p:nvSpPr>
+        <p:spPr>
+          <a:xfrm>
+            <a:off x="9862457" y="4934339"/>
+            <a:ext cx="1978089" cy="942392"/>
+          </a:xfrm>
+          <a:prstGeom prst="can">
+            <a:avLst/>
+          </a:prstGeom>
+        </p:spPr>
+        <p:style>
+          <a:lnRef idx="2">
+            <a:schemeClr val="accent1">
+              <a:shade val="50000"/>
+            </a:schemeClr>
+          </a:lnRef>
+          <a:fillRef idx="1">
+            <a:schemeClr val="accent1"/>
+          </a:fillRef>
+          <a:effectRef idx="0">
+            <a:schemeClr val="accent1"/>
+          </a:effectRef>
+          <a:fontRef idx="minor">
+            <a:schemeClr val="lt1"/>
+          </a:fontRef>
+        </p:style>
+        <p:txBody>
+          <a:bodyPr rtlCol="0" anchor="ctr"/>
+          <a:lstStyle/>
+          <a:p>
+            <a:pPr algn="ctr"/>
+            <a:r>
+              <a:rPr lang="en-IN" b="1" dirty="0"/>
+              <a:t>DB</a:t>
+            </a:r>
+            <a:endParaRPr lang="en-US" b="1" dirty="0"/>
+          </a:p>
+        </p:txBody>
+      </p:sp>
+      <p:sp>
+        <p:nvSpPr>
+          <p:cNvPr id="8" name="Arrow: Left-Right 7">
+            <a:extLst>
+              <a:ext uri="{FF2B5EF4-FFF2-40B4-BE49-F238E27FC236}">
+                <a16:creationId xmlns:a16="http://schemas.microsoft.com/office/drawing/2014/main" id="{E12471B0-3105-54B4-9488-BC2FC0B4A6B4}"/>
+              </a:ext>
+            </a:extLst>
+          </p:cNvPr>
+          <p:cNvSpPr/>
+          <p:nvPr/>
+        </p:nvSpPr>
+        <p:spPr>
+          <a:xfrm>
+            <a:off x="8985378" y="5204927"/>
+            <a:ext cx="877079" cy="298580"/>
+          </a:xfrm>
+          <a:prstGeom prst="leftRightArrow">
+            <a:avLst/>
+          </a:prstGeom>
+        </p:spPr>
+        <p:style>
+          <a:lnRef idx="2">
+            <a:schemeClr val="dk1">
+              <a:shade val="50000"/>
+            </a:schemeClr>
+          </a:lnRef>
+          <a:fillRef idx="1">
+            <a:schemeClr val="dk1"/>
+          </a:fillRef>
+          <a:effectRef idx="0">
+            <a:schemeClr val="dk1"/>
+          </a:effectRef>
+          <a:fontRef idx="minor">
+            <a:schemeClr val="lt1"/>
+          </a:fontRef>
+        </p:style>
+        <p:txBody>
+          <a:bodyPr rtlCol="0" anchor="ctr"/>
+          <a:lstStyle/>
+          <a:p>
+            <a:pPr algn="ctr"/>
+            <a:endParaRPr lang="en-US"/>
+          </a:p>
+        </p:txBody>
+      </p:sp>
+      <p:sp>
+        <p:nvSpPr>
+          <p:cNvPr id="9" name="Rectangle: Rounded Corners 8">
+            <a:extLst>
+              <a:ext uri="{FF2B5EF4-FFF2-40B4-BE49-F238E27FC236}">
+                <a16:creationId xmlns:a16="http://schemas.microsoft.com/office/drawing/2014/main" id="{1748CFAF-8D5F-4382-25E7-F9174FB0D72B}"/>
+              </a:ext>
+            </a:extLst>
+          </p:cNvPr>
+          <p:cNvSpPr/>
+          <p:nvPr/>
+        </p:nvSpPr>
+        <p:spPr>
+          <a:xfrm>
+            <a:off x="6298163" y="2998237"/>
+            <a:ext cx="1558212" cy="830424"/>
+          </a:xfrm>
+          <a:prstGeom prst="roundRect">
+            <a:avLst/>
+          </a:prstGeom>
+        </p:spPr>
+        <p:style>
+          <a:lnRef idx="1">
+            <a:schemeClr val="accent4"/>
+          </a:lnRef>
+          <a:fillRef idx="2">
+            <a:schemeClr val="accent4"/>
+          </a:fillRef>
+          <a:effectRef idx="1">
+            <a:schemeClr val="accent4"/>
+          </a:effectRef>
+          <a:fontRef idx="minor">
+            <a:schemeClr val="dk1"/>
+          </a:fontRef>
+        </p:style>
+        <p:txBody>
+          <a:bodyPr rtlCol="0" anchor="ctr"/>
+          <a:lstStyle/>
+          <a:p>
+            <a:pPr algn="ctr"/>
+            <a:r>
+              <a:rPr lang="en-IN" dirty="0"/>
+              <a:t>Transactional Q</a:t>
+            </a:r>
+            <a:endParaRPr lang="en-US" dirty="0"/>
+          </a:p>
+        </p:txBody>
+      </p:sp>
+      <p:cxnSp>
+        <p:nvCxnSpPr>
+          <p:cNvPr id="11" name="Connector: Elbow 10">
+            <a:extLst>
+              <a:ext uri="{FF2B5EF4-FFF2-40B4-BE49-F238E27FC236}">
+                <a16:creationId xmlns:a16="http://schemas.microsoft.com/office/drawing/2014/main" id="{7E0BEF64-1C44-6C1F-2C3A-E7989B99A31A}"/>
+              </a:ext>
+            </a:extLst>
+          </p:cNvPr>
+          <p:cNvCxnSpPr>
+            <a:stCxn id="2" idx="2"/>
+            <a:endCxn id="9" idx="0"/>
+          </p:cNvCxnSpPr>
+          <p:nvPr/>
+        </p:nvCxnSpPr>
+        <p:spPr>
+          <a:xfrm rot="16200000" flipH="1">
+            <a:off x="6718818" y="2639785"/>
+            <a:ext cx="646923" cy="69979"/>
+          </a:xfrm>
+          <a:prstGeom prst="bentConnector3">
+            <a:avLst/>
+          </a:prstGeom>
+          <a:ln>
+            <a:tailEnd type="triangle"/>
+          </a:ln>
+        </p:spPr>
+        <p:style>
+          <a:lnRef idx="1">
+            <a:schemeClr val="accent1"/>
+          </a:lnRef>
+          <a:fillRef idx="0">
+            <a:schemeClr val="accent1"/>
+          </a:fillRef>
+          <a:effectRef idx="0">
+            <a:schemeClr val="accent1"/>
+          </a:effectRef>
+          <a:fontRef idx="minor">
+            <a:schemeClr val="tx1"/>
+          </a:fontRef>
+        </p:style>
+      </p:cxnSp>
+      <p:sp>
+        <p:nvSpPr>
+          <p:cNvPr id="12" name="TextBox 11">
+            <a:extLst>
+              <a:ext uri="{FF2B5EF4-FFF2-40B4-BE49-F238E27FC236}">
+                <a16:creationId xmlns:a16="http://schemas.microsoft.com/office/drawing/2014/main" id="{CFD343B7-A57C-EB86-F675-DB50B469DAB1}"/>
+              </a:ext>
+            </a:extLst>
+          </p:cNvPr>
+          <p:cNvSpPr txBox="1"/>
+          <p:nvPr/>
+        </p:nvSpPr>
+        <p:spPr>
+          <a:xfrm>
+            <a:off x="8042988" y="2998236"/>
+            <a:ext cx="2855167" cy="369332"/>
+          </a:xfrm>
+          <a:prstGeom prst="rect">
+            <a:avLst/>
+          </a:prstGeom>
+          <a:noFill/>
+        </p:spPr>
+        <p:txBody>
+          <a:bodyPr wrap="square" rtlCol="0">
+            <a:spAutoFit/>
+          </a:bodyPr>
+          <a:lstStyle/>
+          <a:p>
+            <a:r>
+              <a:rPr lang="en-IN" dirty="0"/>
+              <a:t>Write Data in Queue</a:t>
+            </a:r>
+            <a:endParaRPr lang="en-US" dirty="0"/>
+          </a:p>
+        </p:txBody>
+      </p:sp>
+      <p:cxnSp>
+        <p:nvCxnSpPr>
+          <p:cNvPr id="14" name="Connector: Elbow 13">
+            <a:extLst>
+              <a:ext uri="{FF2B5EF4-FFF2-40B4-BE49-F238E27FC236}">
+                <a16:creationId xmlns:a16="http://schemas.microsoft.com/office/drawing/2014/main" id="{1A3D86C3-8A2C-D79D-E50E-5A9771F564CD}"/>
+              </a:ext>
+            </a:extLst>
+          </p:cNvPr>
+          <p:cNvCxnSpPr>
+            <a:cxnSpLocks/>
+            <a:stCxn id="6" idx="0"/>
+            <a:endCxn id="9" idx="1"/>
+          </p:cNvCxnSpPr>
+          <p:nvPr/>
+        </p:nvCxnSpPr>
+        <p:spPr>
+          <a:xfrm rot="16200000" flipV="1">
+            <a:off x="6039238" y="3672374"/>
+            <a:ext cx="1226976" cy="709126"/>
+          </a:xfrm>
+          <a:prstGeom prst="bentConnector4">
+            <a:avLst>
+              <a:gd name="adj1" fmla="val 33080"/>
+              <a:gd name="adj2" fmla="val 311184"/>
+            </a:avLst>
+          </a:prstGeom>
+          <a:ln>
+            <a:tailEnd type="triangle"/>
+          </a:ln>
+        </p:spPr>
+        <p:style>
+          <a:lnRef idx="1">
+            <a:schemeClr val="accent1"/>
+          </a:lnRef>
+          <a:fillRef idx="0">
+            <a:schemeClr val="accent1"/>
+          </a:fillRef>
+          <a:effectRef idx="0">
+            <a:schemeClr val="accent1"/>
+          </a:effectRef>
+          <a:fontRef idx="minor">
+            <a:schemeClr val="tx1"/>
+          </a:fontRef>
+        </p:style>
+      </p:cxnSp>
+      <p:sp>
+        <p:nvSpPr>
+          <p:cNvPr id="15" name="TextBox 14">
+            <a:extLst>
+              <a:ext uri="{FF2B5EF4-FFF2-40B4-BE49-F238E27FC236}">
+                <a16:creationId xmlns:a16="http://schemas.microsoft.com/office/drawing/2014/main" id="{A7E3CC33-B9D5-0C5C-B9F6-FDA9DD7AA08F}"/>
+              </a:ext>
+            </a:extLst>
+          </p:cNvPr>
+          <p:cNvSpPr txBox="1"/>
+          <p:nvPr/>
+        </p:nvSpPr>
+        <p:spPr>
+          <a:xfrm>
+            <a:off x="4152120" y="3828661"/>
+            <a:ext cx="1856794" cy="646331"/>
+          </a:xfrm>
+          <a:prstGeom prst="rect">
+            <a:avLst/>
+          </a:prstGeom>
+          <a:noFill/>
+        </p:spPr>
+        <p:txBody>
+          <a:bodyPr wrap="square" rtlCol="0">
+            <a:spAutoFit/>
+          </a:bodyPr>
+          <a:lstStyle/>
+          <a:p>
+            <a:r>
+              <a:rPr lang="en-IN" dirty="0"/>
+              <a:t>Subscribe to Queue</a:t>
+            </a:r>
+            <a:endParaRPr lang="en-US" dirty="0"/>
+          </a:p>
+        </p:txBody>
+      </p:sp>
+      <p:cxnSp>
+        <p:nvCxnSpPr>
+          <p:cNvPr id="17" name="Connector: Elbow 16">
+            <a:extLst>
+              <a:ext uri="{FF2B5EF4-FFF2-40B4-BE49-F238E27FC236}">
+                <a16:creationId xmlns:a16="http://schemas.microsoft.com/office/drawing/2014/main" id="{47676019-6806-44C9-CBD7-83EC023075A7}"/>
+              </a:ext>
+            </a:extLst>
+          </p:cNvPr>
+          <p:cNvCxnSpPr>
+            <a:cxnSpLocks/>
+            <a:stCxn id="9" idx="3"/>
+            <a:endCxn id="19" idx="0"/>
+          </p:cNvCxnSpPr>
+          <p:nvPr/>
+        </p:nvCxnSpPr>
+        <p:spPr>
+          <a:xfrm flipH="1">
+            <a:off x="6988629" y="3413449"/>
+            <a:ext cx="867746" cy="1392409"/>
+          </a:xfrm>
+          <a:prstGeom prst="bentConnector4">
+            <a:avLst>
+              <a:gd name="adj1" fmla="val -26344"/>
+              <a:gd name="adj2" fmla="val 64910"/>
+            </a:avLst>
+          </a:prstGeom>
+          <a:ln>
+            <a:tailEnd type="triangle"/>
+          </a:ln>
+        </p:spPr>
+        <p:style>
+          <a:lnRef idx="3">
+            <a:schemeClr val="dk1"/>
+          </a:lnRef>
+          <a:fillRef idx="0">
+            <a:schemeClr val="dk1"/>
+          </a:fillRef>
+          <a:effectRef idx="2">
+            <a:schemeClr val="dk1"/>
+          </a:effectRef>
+          <a:fontRef idx="minor">
+            <a:schemeClr val="tx1"/>
+          </a:fontRef>
+        </p:style>
+      </p:cxnSp>
+      <p:sp>
+        <p:nvSpPr>
+          <p:cNvPr id="18" name="TextBox 17">
+            <a:extLst>
+              <a:ext uri="{FF2B5EF4-FFF2-40B4-BE49-F238E27FC236}">
+                <a16:creationId xmlns:a16="http://schemas.microsoft.com/office/drawing/2014/main" id="{58EAE237-A7E0-934C-3372-8EC30D4280C3}"/>
+              </a:ext>
+            </a:extLst>
+          </p:cNvPr>
+          <p:cNvSpPr txBox="1"/>
+          <p:nvPr/>
+        </p:nvSpPr>
+        <p:spPr>
+          <a:xfrm>
+            <a:off x="8304245" y="3694922"/>
+            <a:ext cx="2677886" cy="369332"/>
+          </a:xfrm>
+          <a:prstGeom prst="rect">
+            <a:avLst/>
+          </a:prstGeom>
+          <a:noFill/>
+        </p:spPr>
+        <p:txBody>
+          <a:bodyPr wrap="square" rtlCol="0">
+            <a:spAutoFit/>
+          </a:bodyPr>
+          <a:lstStyle/>
+          <a:p>
+            <a:r>
+              <a:rPr lang="en-IN" dirty="0"/>
+              <a:t>Receive Data from Q</a:t>
+            </a:r>
+            <a:endParaRPr lang="en-US" dirty="0"/>
+          </a:p>
+        </p:txBody>
+      </p:sp>
+      <p:sp>
+        <p:nvSpPr>
+          <p:cNvPr id="19" name="Rectangle 18">
+            <a:extLst>
+              <a:ext uri="{FF2B5EF4-FFF2-40B4-BE49-F238E27FC236}">
+                <a16:creationId xmlns:a16="http://schemas.microsoft.com/office/drawing/2014/main" id="{C07A960B-FAE2-C02F-E73F-65D3E38F30F7}"/>
+              </a:ext>
+            </a:extLst>
+          </p:cNvPr>
+          <p:cNvSpPr/>
+          <p:nvPr/>
+        </p:nvSpPr>
+        <p:spPr>
+          <a:xfrm>
+            <a:off x="5477069" y="4805858"/>
+            <a:ext cx="3023119" cy="399069"/>
+          </a:xfrm>
+          <a:prstGeom prst="rect">
+            <a:avLst/>
+          </a:prstGeom>
+          <a:solidFill>
+            <a:schemeClr val="accent2">
+              <a:lumMod val="75000"/>
+            </a:schemeClr>
+          </a:solidFill>
+        </p:spPr>
+        <p:style>
+          <a:lnRef idx="2">
+            <a:schemeClr val="accent1">
+              <a:shade val="50000"/>
+            </a:schemeClr>
+          </a:lnRef>
+          <a:fillRef idx="1">
+            <a:schemeClr val="accent1"/>
+          </a:fillRef>
+          <a:effectRef idx="0">
+            <a:schemeClr val="accent1"/>
+          </a:effectRef>
+          <a:fontRef idx="minor">
+            <a:schemeClr val="lt1"/>
+          </a:fontRef>
+        </p:style>
+        <p:txBody>
+          <a:bodyPr rtlCol="0" anchor="ctr"/>
+          <a:lstStyle/>
+          <a:p>
+            <a:pPr algn="ctr"/>
+            <a:r>
+              <a:rPr lang="en-IN" b="1" dirty="0"/>
+              <a:t>Background Service</a:t>
+            </a:r>
+            <a:endParaRPr lang="en-US" b="1" dirty="0"/>
+          </a:p>
+        </p:txBody>
+      </p:sp>
+      <p:cxnSp>
+        <p:nvCxnSpPr>
+          <p:cNvPr id="23" name="Connector: Elbow 22">
+            <a:extLst>
+              <a:ext uri="{FF2B5EF4-FFF2-40B4-BE49-F238E27FC236}">
+                <a16:creationId xmlns:a16="http://schemas.microsoft.com/office/drawing/2014/main" id="{995FDA23-2D97-44B4-3B64-ABAB680F791C}"/>
+              </a:ext>
+            </a:extLst>
+          </p:cNvPr>
+          <p:cNvCxnSpPr>
+            <a:stCxn id="19" idx="3"/>
+            <a:endCxn id="7" idx="1"/>
+          </p:cNvCxnSpPr>
+          <p:nvPr/>
+        </p:nvCxnSpPr>
+        <p:spPr>
+          <a:xfrm flipV="1">
+            <a:off x="8500188" y="4934339"/>
+            <a:ext cx="2351314" cy="71054"/>
+          </a:xfrm>
+          <a:prstGeom prst="bentConnector4">
+            <a:avLst>
+              <a:gd name="adj1" fmla="val 28968"/>
+              <a:gd name="adj2" fmla="val 602549"/>
+            </a:avLst>
+          </a:prstGeom>
+          <a:ln>
+            <a:tailEnd type="triangle"/>
+          </a:ln>
+        </p:spPr>
+        <p:style>
+          <a:lnRef idx="3">
+            <a:schemeClr val="accent4"/>
+          </a:lnRef>
+          <a:fillRef idx="0">
+            <a:schemeClr val="accent4"/>
+          </a:fillRef>
+          <a:effectRef idx="2">
+            <a:schemeClr val="accent4"/>
+          </a:effectRef>
+          <a:fontRef idx="minor">
+            <a:schemeClr val="tx1"/>
+          </a:fontRef>
+        </p:style>
+      </p:cxnSp>
+      <p:sp>
+        <p:nvSpPr>
+          <p:cNvPr id="24" name="TextBox 23">
+            <a:extLst>
+              <a:ext uri="{FF2B5EF4-FFF2-40B4-BE49-F238E27FC236}">
+                <a16:creationId xmlns:a16="http://schemas.microsoft.com/office/drawing/2014/main" id="{E697418A-BF3C-2D22-CA01-4821BCFC7ED3}"/>
+              </a:ext>
+            </a:extLst>
+          </p:cNvPr>
+          <p:cNvSpPr txBox="1"/>
+          <p:nvPr/>
+        </p:nvSpPr>
+        <p:spPr>
+          <a:xfrm>
+            <a:off x="10739535" y="4179332"/>
+            <a:ext cx="1268963" cy="369332"/>
+          </a:xfrm>
+          <a:prstGeom prst="rect">
+            <a:avLst/>
+          </a:prstGeom>
+          <a:noFill/>
+        </p:spPr>
+        <p:txBody>
+          <a:bodyPr wrap="square" rtlCol="0">
+            <a:spAutoFit/>
+          </a:bodyPr>
+          <a:lstStyle/>
+          <a:p>
+            <a:r>
+              <a:rPr lang="en-IN" dirty="0"/>
+              <a:t>Write to DB</a:t>
+            </a:r>
+            <a:endParaRPr lang="en-US" dirty="0"/>
+          </a:p>
+        </p:txBody>
+      </p:sp>
+      <p:sp>
+        <p:nvSpPr>
+          <p:cNvPr id="25" name="Arrow: Left 24">
+            <a:extLst>
+              <a:ext uri="{FF2B5EF4-FFF2-40B4-BE49-F238E27FC236}">
+                <a16:creationId xmlns:a16="http://schemas.microsoft.com/office/drawing/2014/main" id="{711859C7-C502-521B-6722-6093A25EC26F}"/>
+              </a:ext>
+            </a:extLst>
+          </p:cNvPr>
+          <p:cNvSpPr/>
+          <p:nvPr/>
+        </p:nvSpPr>
+        <p:spPr>
+          <a:xfrm>
+            <a:off x="457200" y="5402424"/>
+            <a:ext cx="4581331" cy="646331"/>
+          </a:xfrm>
+          <a:prstGeom prst="leftArrow">
+            <a:avLst/>
+          </a:prstGeom>
+        </p:spPr>
+        <p:style>
+          <a:lnRef idx="2">
+            <a:schemeClr val="accent1">
+              <a:shade val="50000"/>
+            </a:schemeClr>
+          </a:lnRef>
+          <a:fillRef idx="1">
+            <a:schemeClr val="accent1"/>
+          </a:fillRef>
+          <a:effectRef idx="0">
+            <a:schemeClr val="accent1"/>
+          </a:effectRef>
+          <a:fontRef idx="minor">
+            <a:schemeClr val="lt1"/>
+          </a:fontRef>
+        </p:style>
+        <p:txBody>
+          <a:bodyPr rtlCol="0" anchor="ctr"/>
+          <a:lstStyle/>
+          <a:p>
+            <a:pPr algn="ctr"/>
+            <a:r>
+              <a:rPr lang="en-IN" sz="1400" dirty="0"/>
+              <a:t>Respond newly Available Product from Catalog to Client</a:t>
+            </a:r>
+            <a:endParaRPr lang="en-US" sz="1400" dirty="0"/>
+          </a:p>
+        </p:txBody>
+      </p:sp>
+      <p:sp>
+        <p:nvSpPr>
+          <p:cNvPr id="26" name="TextBox 25">
+            <a:extLst>
+              <a:ext uri="{FF2B5EF4-FFF2-40B4-BE49-F238E27FC236}">
+                <a16:creationId xmlns:a16="http://schemas.microsoft.com/office/drawing/2014/main" id="{C9836936-B8F5-0A86-4683-7FBD2EE91867}"/>
+              </a:ext>
+            </a:extLst>
+          </p:cNvPr>
+          <p:cNvSpPr txBox="1"/>
+          <p:nvPr/>
+        </p:nvSpPr>
+        <p:spPr>
+          <a:xfrm>
+            <a:off x="102637" y="2612561"/>
+            <a:ext cx="4287416" cy="1200329"/>
+          </a:xfrm>
+          <a:prstGeom prst="rect">
+            <a:avLst/>
+          </a:prstGeom>
+          <a:noFill/>
+        </p:spPr>
+        <p:txBody>
+          <a:bodyPr wrap="square" rtlCol="0">
+            <a:spAutoFit/>
+          </a:bodyPr>
+          <a:lstStyle/>
+          <a:p>
+            <a:pPr algn="ctr"/>
+            <a:r>
+              <a:rPr lang="en-IN" sz="2400" b="1" dirty="0"/>
+              <a:t>We need a Background Service That will subscribe to Q to Read Data and Save to DB</a:t>
+            </a:r>
+            <a:endParaRPr lang="en-US" sz="2400" b="1" dirty="0"/>
+          </a:p>
+        </p:txBody>
+      </p:sp>
+    </p:spTree>
+    <p:extLst>
+      <p:ext uri="{BB962C8B-B14F-4D97-AF65-F5344CB8AC3E}">
+        <p14:creationId xmlns:p14="http://schemas.microsoft.com/office/powerpoint/2010/main" val="1172971251"/>
+      </p:ext>
+    </p:extLst>
+  </p:cSld>
+  <p:clrMapOvr>
+    <a:masterClrMapping/>
+  </p:clrMapOvr>
+</p:sld>
+</file>
+
+<file path=ppt/slides/slide9.xml><?xml version="1.0" encoding="utf-8"?>
+<p:sld xmlns:a="http://schemas.openxmlformats.org/drawingml/2006/main" xmlns:r="http://schemas.openxmlformats.org/officeDocument/2006/relationships" xmlns:p="http://schemas.openxmlformats.org/presentationml/2006/main">
+  <p:cSld>
+    <p:spTree>
+      <p:nvGrpSpPr>
+        <p:cNvPr id="1" name=""/>
+        <p:cNvGrpSpPr/>
+        <p:nvPr/>
+      </p:nvGrpSpPr>
+      <p:grpSpPr>
+        <a:xfrm>
+          <a:off x="0" y="0"/>
+          <a:ext cx="0" cy="0"/>
+          <a:chOff x="0" y="0"/>
+          <a:chExt cx="0" cy="0"/>
+        </a:xfrm>
+      </p:grpSpPr>
+      <p:sp>
+        <p:nvSpPr>
+          <p:cNvPr id="2" name="Rectangle 1">
+            <a:extLst>
+              <a:ext uri="{FF2B5EF4-FFF2-40B4-BE49-F238E27FC236}">
+                <a16:creationId xmlns:a16="http://schemas.microsoft.com/office/drawing/2014/main" id="{58F85584-BAE7-2D57-3507-29E9C1598F9D}"/>
+              </a:ext>
+            </a:extLst>
+          </p:cNvPr>
+          <p:cNvSpPr/>
+          <p:nvPr/>
+        </p:nvSpPr>
+        <p:spPr>
+          <a:xfrm>
+            <a:off x="5029200" y="905070"/>
+            <a:ext cx="3956179" cy="1446244"/>
+          </a:xfrm>
+          <a:prstGeom prst="rect">
+            <a:avLst/>
+          </a:prstGeom>
+        </p:spPr>
+        <p:style>
+          <a:lnRef idx="2">
+            <a:schemeClr val="accent1">
+              <a:shade val="50000"/>
+            </a:schemeClr>
+          </a:lnRef>
+          <a:fillRef idx="1">
+            <a:schemeClr val="accent1"/>
+          </a:fillRef>
+          <a:effectRef idx="0">
+            <a:schemeClr val="accent1"/>
+          </a:effectRef>
+          <a:fontRef idx="minor">
+            <a:schemeClr val="lt1"/>
+          </a:fontRef>
+        </p:style>
+        <p:txBody>
+          <a:bodyPr rtlCol="0" anchor="ctr"/>
+          <a:lstStyle/>
+          <a:p>
+            <a:pPr algn="ctr"/>
+            <a:r>
+              <a:rPr lang="en-IN" dirty="0"/>
+              <a:t>Azure Function With HTTP Triggers</a:t>
+            </a:r>
+          </a:p>
+          <a:p>
+            <a:pPr algn="ctr"/>
+            <a:r>
+              <a:rPr lang="en-IN" dirty="0"/>
+              <a:t>Activated when there is HTTP Request</a:t>
+            </a:r>
+          </a:p>
+          <a:p>
+            <a:pPr algn="ctr"/>
+            <a:r>
+              <a:rPr lang="en-IN" dirty="0"/>
+              <a:t>Accepting Newly Created Products to stored them in DB</a:t>
+            </a:r>
+            <a:endParaRPr lang="en-US" dirty="0"/>
+          </a:p>
+        </p:txBody>
+      </p:sp>
+      <p:sp>
+        <p:nvSpPr>
+          <p:cNvPr id="3" name="Cylinder 2">
+            <a:extLst>
+              <a:ext uri="{FF2B5EF4-FFF2-40B4-BE49-F238E27FC236}">
+                <a16:creationId xmlns:a16="http://schemas.microsoft.com/office/drawing/2014/main" id="{642C78F9-76C0-1A58-461D-EA16F88C9EA0}"/>
+              </a:ext>
+            </a:extLst>
+          </p:cNvPr>
+          <p:cNvSpPr/>
+          <p:nvPr/>
+        </p:nvSpPr>
+        <p:spPr>
+          <a:xfrm>
+            <a:off x="9862457" y="1156996"/>
+            <a:ext cx="1978089" cy="942392"/>
+          </a:xfrm>
+          <a:prstGeom prst="can">
+            <a:avLst/>
+          </a:prstGeom>
+        </p:spPr>
+        <p:style>
+          <a:lnRef idx="2">
+            <a:schemeClr val="accent1">
+              <a:shade val="50000"/>
+            </a:schemeClr>
+          </a:lnRef>
+          <a:fillRef idx="1">
+            <a:schemeClr val="accent1"/>
+          </a:fillRef>
+          <a:effectRef idx="0">
+            <a:schemeClr val="accent1"/>
+          </a:effectRef>
+          <a:fontRef idx="minor">
+            <a:schemeClr val="lt1"/>
+          </a:fontRef>
+        </p:style>
+        <p:txBody>
+          <a:bodyPr rtlCol="0" anchor="ctr"/>
+          <a:lstStyle/>
+          <a:p>
+            <a:pPr algn="ctr"/>
+            <a:r>
+              <a:rPr lang="en-IN" b="1" dirty="0"/>
+              <a:t>DB</a:t>
+            </a:r>
+            <a:endParaRPr lang="en-US" b="1" dirty="0"/>
+          </a:p>
+        </p:txBody>
+      </p:sp>
+      <p:sp>
+        <p:nvSpPr>
+          <p:cNvPr id="4" name="Arrow: Left-Right 3">
+            <a:extLst>
+              <a:ext uri="{FF2B5EF4-FFF2-40B4-BE49-F238E27FC236}">
+                <a16:creationId xmlns:a16="http://schemas.microsoft.com/office/drawing/2014/main" id="{79AC16FE-8CF7-EB97-2799-C246FEC05E91}"/>
+              </a:ext>
+            </a:extLst>
+          </p:cNvPr>
+          <p:cNvSpPr/>
+          <p:nvPr/>
+        </p:nvSpPr>
+        <p:spPr>
+          <a:xfrm>
+            <a:off x="8985377" y="1478902"/>
+            <a:ext cx="877079" cy="298580"/>
+          </a:xfrm>
+          <a:prstGeom prst="leftRightArrow">
+            <a:avLst/>
+          </a:prstGeom>
+        </p:spPr>
+        <p:style>
+          <a:lnRef idx="2">
+            <a:schemeClr val="dk1">
+              <a:shade val="50000"/>
+            </a:schemeClr>
+          </a:lnRef>
+          <a:fillRef idx="1">
+            <a:schemeClr val="dk1"/>
+          </a:fillRef>
+          <a:effectRef idx="0">
+            <a:schemeClr val="dk1"/>
+          </a:effectRef>
+          <a:fontRef idx="minor">
+            <a:schemeClr val="lt1"/>
+          </a:fontRef>
+        </p:style>
+        <p:txBody>
+          <a:bodyPr rtlCol="0" anchor="ctr"/>
+          <a:lstStyle/>
+          <a:p>
+            <a:pPr algn="ctr"/>
+            <a:endParaRPr lang="en-US"/>
+          </a:p>
+        </p:txBody>
+      </p:sp>
+      <p:sp>
+        <p:nvSpPr>
+          <p:cNvPr id="5" name="Arrow: Right 4">
+            <a:extLst>
+              <a:ext uri="{FF2B5EF4-FFF2-40B4-BE49-F238E27FC236}">
+                <a16:creationId xmlns:a16="http://schemas.microsoft.com/office/drawing/2014/main" id="{D3FFCD63-A70C-4EFC-B4A4-A1F4AE105F9A}"/>
+              </a:ext>
+            </a:extLst>
+          </p:cNvPr>
+          <p:cNvSpPr/>
+          <p:nvPr/>
+        </p:nvSpPr>
+        <p:spPr>
+          <a:xfrm>
+            <a:off x="587829" y="1138335"/>
+            <a:ext cx="4450702" cy="447869"/>
+          </a:xfrm>
+          <a:prstGeom prst="rightArrow">
+            <a:avLst/>
+          </a:prstGeom>
+          <a:solidFill>
+            <a:srgbClr val="002060"/>
+          </a:solidFill>
+        </p:spPr>
+        <p:style>
+          <a:lnRef idx="2">
+            <a:schemeClr val="accent1">
+              <a:shade val="50000"/>
+            </a:schemeClr>
+          </a:lnRef>
+          <a:fillRef idx="1">
+            <a:schemeClr val="accent1"/>
+          </a:fillRef>
+          <a:effectRef idx="0">
+            <a:schemeClr val="accent1"/>
+          </a:effectRef>
+          <a:fontRef idx="minor">
+            <a:schemeClr val="lt1"/>
+          </a:fontRef>
+        </p:style>
+        <p:txBody>
+          <a:bodyPr rtlCol="0" anchor="ctr"/>
+          <a:lstStyle/>
+          <a:p>
+            <a:pPr algn="ctr"/>
+            <a:r>
+              <a:rPr lang="en-IN" dirty="0"/>
+              <a:t>HTTP Requests</a:t>
+            </a:r>
+            <a:endParaRPr lang="en-US" dirty="0"/>
+          </a:p>
+        </p:txBody>
+      </p:sp>
+      <p:sp>
+        <p:nvSpPr>
+          <p:cNvPr id="6" name="Rectangle 5">
+            <a:extLst>
+              <a:ext uri="{FF2B5EF4-FFF2-40B4-BE49-F238E27FC236}">
+                <a16:creationId xmlns:a16="http://schemas.microsoft.com/office/drawing/2014/main" id="{C031627E-82F2-7DCA-FAF9-988AAB3E9BC3}"/>
+              </a:ext>
+            </a:extLst>
+          </p:cNvPr>
+          <p:cNvSpPr/>
+          <p:nvPr/>
+        </p:nvSpPr>
+        <p:spPr>
+          <a:xfrm>
+            <a:off x="5038531" y="5240693"/>
+            <a:ext cx="3956179" cy="1446244"/>
+          </a:xfrm>
+          <a:prstGeom prst="rect">
+            <a:avLst/>
+          </a:prstGeom>
+        </p:spPr>
+        <p:style>
+          <a:lnRef idx="2">
+            <a:schemeClr val="accent1">
+              <a:shade val="50000"/>
+            </a:schemeClr>
+          </a:lnRef>
+          <a:fillRef idx="1">
+            <a:schemeClr val="accent1"/>
+          </a:fillRef>
+          <a:effectRef idx="0">
+            <a:schemeClr val="accent1"/>
+          </a:effectRef>
+          <a:fontRef idx="minor">
+            <a:schemeClr val="lt1"/>
+          </a:fontRef>
+        </p:style>
+        <p:txBody>
+          <a:bodyPr rtlCol="0" anchor="ctr"/>
+          <a:lstStyle/>
+          <a:p>
+            <a:pPr algn="ctr"/>
+            <a:r>
+              <a:rPr lang="en-IN" dirty="0"/>
+              <a:t>ProductCatalog App</a:t>
+            </a:r>
+            <a:endParaRPr lang="en-US" dirty="0"/>
+          </a:p>
+        </p:txBody>
+      </p:sp>
+      <p:sp>
+        <p:nvSpPr>
+          <p:cNvPr id="7" name="Cylinder 6">
+            <a:extLst>
+              <a:ext uri="{FF2B5EF4-FFF2-40B4-BE49-F238E27FC236}">
+                <a16:creationId xmlns:a16="http://schemas.microsoft.com/office/drawing/2014/main" id="{ED374616-F5BF-FF1F-931A-8881C84C8C71}"/>
+              </a:ext>
+            </a:extLst>
+          </p:cNvPr>
+          <p:cNvSpPr/>
+          <p:nvPr/>
+        </p:nvSpPr>
+        <p:spPr>
+          <a:xfrm>
+            <a:off x="9871789" y="5534607"/>
+            <a:ext cx="1978089" cy="942392"/>
+          </a:xfrm>
+          <a:prstGeom prst="can">
+            <a:avLst/>
+          </a:prstGeom>
+        </p:spPr>
+        <p:style>
+          <a:lnRef idx="2">
+            <a:schemeClr val="accent1">
+              <a:shade val="50000"/>
+            </a:schemeClr>
+          </a:lnRef>
+          <a:fillRef idx="1">
+            <a:schemeClr val="accent1"/>
+          </a:fillRef>
+          <a:effectRef idx="0">
+            <a:schemeClr val="accent1"/>
+          </a:effectRef>
+          <a:fontRef idx="minor">
+            <a:schemeClr val="lt1"/>
+          </a:fontRef>
+        </p:style>
+        <p:txBody>
+          <a:bodyPr rtlCol="0" anchor="ctr"/>
+          <a:lstStyle/>
+          <a:p>
+            <a:pPr algn="ctr"/>
+            <a:r>
+              <a:rPr lang="en-IN" b="1" dirty="0"/>
+              <a:t>DB</a:t>
+            </a:r>
+            <a:endParaRPr lang="en-US" b="1" dirty="0"/>
+          </a:p>
+        </p:txBody>
+      </p:sp>
+      <p:sp>
+        <p:nvSpPr>
+          <p:cNvPr id="8" name="Arrow: Left-Right 7">
+            <a:extLst>
+              <a:ext uri="{FF2B5EF4-FFF2-40B4-BE49-F238E27FC236}">
+                <a16:creationId xmlns:a16="http://schemas.microsoft.com/office/drawing/2014/main" id="{E12471B0-3105-54B4-9488-BC2FC0B4A6B4}"/>
+              </a:ext>
+            </a:extLst>
+          </p:cNvPr>
+          <p:cNvSpPr/>
+          <p:nvPr/>
+        </p:nvSpPr>
+        <p:spPr>
+          <a:xfrm>
+            <a:off x="8994710" y="5805195"/>
+            <a:ext cx="877079" cy="298580"/>
+          </a:xfrm>
+          <a:prstGeom prst="leftRightArrow">
+            <a:avLst/>
+          </a:prstGeom>
+        </p:spPr>
+        <p:style>
+          <a:lnRef idx="2">
+            <a:schemeClr val="dk1">
+              <a:shade val="50000"/>
+            </a:schemeClr>
+          </a:lnRef>
+          <a:fillRef idx="1">
+            <a:schemeClr val="dk1"/>
+          </a:fillRef>
+          <a:effectRef idx="0">
+            <a:schemeClr val="dk1"/>
+          </a:effectRef>
+          <a:fontRef idx="minor">
+            <a:schemeClr val="lt1"/>
+          </a:fontRef>
+        </p:style>
+        <p:txBody>
+          <a:bodyPr rtlCol="0" anchor="ctr"/>
+          <a:lstStyle/>
+          <a:p>
+            <a:pPr algn="ctr"/>
+            <a:endParaRPr lang="en-US"/>
+          </a:p>
+        </p:txBody>
+      </p:sp>
+      <p:sp>
+        <p:nvSpPr>
+          <p:cNvPr id="9" name="Rectangle: Rounded Corners 8">
+            <a:extLst>
+              <a:ext uri="{FF2B5EF4-FFF2-40B4-BE49-F238E27FC236}">
+                <a16:creationId xmlns:a16="http://schemas.microsoft.com/office/drawing/2014/main" id="{1748CFAF-8D5F-4382-25E7-F9174FB0D72B}"/>
+              </a:ext>
+            </a:extLst>
+          </p:cNvPr>
+          <p:cNvSpPr/>
+          <p:nvPr/>
+        </p:nvSpPr>
+        <p:spPr>
+          <a:xfrm>
+            <a:off x="6298163" y="2998237"/>
+            <a:ext cx="1558212" cy="625934"/>
+          </a:xfrm>
+          <a:prstGeom prst="roundRect">
+            <a:avLst/>
+          </a:prstGeom>
+        </p:spPr>
+        <p:style>
+          <a:lnRef idx="1">
+            <a:schemeClr val="accent4"/>
+          </a:lnRef>
+          <a:fillRef idx="2">
+            <a:schemeClr val="accent4"/>
+          </a:fillRef>
+          <a:effectRef idx="1">
+            <a:schemeClr val="accent4"/>
+          </a:effectRef>
+          <a:fontRef idx="minor">
+            <a:schemeClr val="dk1"/>
+          </a:fontRef>
+        </p:style>
+        <p:txBody>
+          <a:bodyPr rtlCol="0" anchor="ctr"/>
+          <a:lstStyle/>
+          <a:p>
+            <a:pPr algn="ctr"/>
+            <a:r>
+              <a:rPr lang="en-IN" dirty="0"/>
+              <a:t>Transactional Q</a:t>
+            </a:r>
+            <a:endParaRPr lang="en-US" dirty="0"/>
+          </a:p>
+        </p:txBody>
+      </p:sp>
+      <p:cxnSp>
+        <p:nvCxnSpPr>
+          <p:cNvPr id="11" name="Connector: Elbow 10">
+            <a:extLst>
+              <a:ext uri="{FF2B5EF4-FFF2-40B4-BE49-F238E27FC236}">
+                <a16:creationId xmlns:a16="http://schemas.microsoft.com/office/drawing/2014/main" id="{7E0BEF64-1C44-6C1F-2C3A-E7989B99A31A}"/>
+              </a:ext>
+            </a:extLst>
+          </p:cNvPr>
+          <p:cNvCxnSpPr>
+            <a:cxnSpLocks/>
+            <a:stCxn id="2" idx="2"/>
+            <a:endCxn id="9" idx="0"/>
+          </p:cNvCxnSpPr>
+          <p:nvPr/>
+        </p:nvCxnSpPr>
+        <p:spPr>
+          <a:xfrm rot="16200000" flipH="1">
+            <a:off x="6718818" y="2639785"/>
+            <a:ext cx="646923" cy="69979"/>
+          </a:xfrm>
+          <a:prstGeom prst="bentConnector3">
+            <a:avLst/>
+          </a:prstGeom>
+          <a:ln>
+            <a:tailEnd type="triangle"/>
+          </a:ln>
+        </p:spPr>
+        <p:style>
+          <a:lnRef idx="1">
+            <a:schemeClr val="accent1"/>
+          </a:lnRef>
+          <a:fillRef idx="0">
+            <a:schemeClr val="accent1"/>
+          </a:fillRef>
+          <a:effectRef idx="0">
+            <a:schemeClr val="accent1"/>
+          </a:effectRef>
+          <a:fontRef idx="minor">
+            <a:schemeClr val="tx1"/>
+          </a:fontRef>
+        </p:style>
+      </p:cxnSp>
+      <p:sp>
+        <p:nvSpPr>
+          <p:cNvPr id="12" name="TextBox 11">
+            <a:extLst>
+              <a:ext uri="{FF2B5EF4-FFF2-40B4-BE49-F238E27FC236}">
+                <a16:creationId xmlns:a16="http://schemas.microsoft.com/office/drawing/2014/main" id="{CFD343B7-A57C-EB86-F675-DB50B469DAB1}"/>
+              </a:ext>
+            </a:extLst>
+          </p:cNvPr>
+          <p:cNvSpPr txBox="1"/>
+          <p:nvPr/>
+        </p:nvSpPr>
+        <p:spPr>
+          <a:xfrm>
+            <a:off x="7007289" y="2496917"/>
+            <a:ext cx="2855167" cy="369332"/>
+          </a:xfrm>
+          <a:prstGeom prst="rect">
+            <a:avLst/>
+          </a:prstGeom>
+          <a:noFill/>
+        </p:spPr>
+        <p:txBody>
+          <a:bodyPr wrap="square" rtlCol="0">
+            <a:spAutoFit/>
+          </a:bodyPr>
+          <a:lstStyle/>
+          <a:p>
+            <a:r>
+              <a:rPr lang="en-IN" dirty="0"/>
+              <a:t>Write Data in Queue</a:t>
+            </a:r>
+            <a:endParaRPr lang="en-US" dirty="0"/>
+          </a:p>
+        </p:txBody>
+      </p:sp>
+      <p:sp>
+        <p:nvSpPr>
+          <p:cNvPr id="24" name="TextBox 23">
+            <a:extLst>
+              <a:ext uri="{FF2B5EF4-FFF2-40B4-BE49-F238E27FC236}">
+                <a16:creationId xmlns:a16="http://schemas.microsoft.com/office/drawing/2014/main" id="{E697418A-BF3C-2D22-CA01-4821BCFC7ED3}"/>
+              </a:ext>
+            </a:extLst>
+          </p:cNvPr>
+          <p:cNvSpPr txBox="1"/>
+          <p:nvPr/>
+        </p:nvSpPr>
+        <p:spPr>
+          <a:xfrm>
+            <a:off x="10403633" y="4864173"/>
+            <a:ext cx="1268963" cy="369332"/>
+          </a:xfrm>
+          <a:prstGeom prst="rect">
+            <a:avLst/>
+          </a:prstGeom>
+          <a:noFill/>
+        </p:spPr>
+        <p:txBody>
+          <a:bodyPr wrap="square" rtlCol="0">
+            <a:spAutoFit/>
+          </a:bodyPr>
+          <a:lstStyle/>
+          <a:p>
+            <a:r>
+              <a:rPr lang="en-IN" dirty="0"/>
+              <a:t>Write to DB</a:t>
+            </a:r>
+            <a:endParaRPr lang="en-US" dirty="0"/>
+          </a:p>
+        </p:txBody>
+      </p:sp>
+      <p:sp>
+        <p:nvSpPr>
+          <p:cNvPr id="25" name="Arrow: Left 24">
+            <a:extLst>
+              <a:ext uri="{FF2B5EF4-FFF2-40B4-BE49-F238E27FC236}">
+                <a16:creationId xmlns:a16="http://schemas.microsoft.com/office/drawing/2014/main" id="{711859C7-C502-521B-6722-6093A25EC26F}"/>
+              </a:ext>
+            </a:extLst>
+          </p:cNvPr>
+          <p:cNvSpPr/>
+          <p:nvPr/>
+        </p:nvSpPr>
+        <p:spPr>
+          <a:xfrm>
+            <a:off x="466532" y="6002692"/>
+            <a:ext cx="4581331" cy="646331"/>
+          </a:xfrm>
+          <a:prstGeom prst="leftArrow">
+            <a:avLst/>
+          </a:prstGeom>
+        </p:spPr>
+        <p:style>
+          <a:lnRef idx="2">
+            <a:schemeClr val="accent1">
+              <a:shade val="50000"/>
+            </a:schemeClr>
+          </a:lnRef>
+          <a:fillRef idx="1">
+            <a:schemeClr val="accent1"/>
+          </a:fillRef>
+          <a:effectRef idx="0">
+            <a:schemeClr val="accent1"/>
+          </a:effectRef>
+          <a:fontRef idx="minor">
+            <a:schemeClr val="lt1"/>
+          </a:fontRef>
+        </p:style>
+        <p:txBody>
+          <a:bodyPr rtlCol="0" anchor="ctr"/>
+          <a:lstStyle/>
+          <a:p>
+            <a:pPr algn="ctr"/>
+            <a:r>
+              <a:rPr lang="en-IN" sz="1400" dirty="0"/>
+              <a:t>Respond newly Available Product from Catalog to Client</a:t>
+            </a:r>
+            <a:endParaRPr lang="en-US" sz="1400" dirty="0"/>
+          </a:p>
+        </p:txBody>
+      </p:sp>
+      <p:sp>
+        <p:nvSpPr>
+          <p:cNvPr id="26" name="TextBox 25">
+            <a:extLst>
+              <a:ext uri="{FF2B5EF4-FFF2-40B4-BE49-F238E27FC236}">
+                <a16:creationId xmlns:a16="http://schemas.microsoft.com/office/drawing/2014/main" id="{C9836936-B8F5-0A86-4683-7FBD2EE91867}"/>
+              </a:ext>
+            </a:extLst>
+          </p:cNvPr>
+          <p:cNvSpPr txBox="1"/>
+          <p:nvPr/>
+        </p:nvSpPr>
+        <p:spPr>
+          <a:xfrm>
+            <a:off x="102637" y="2612561"/>
+            <a:ext cx="4287416" cy="2308324"/>
+          </a:xfrm>
+          <a:prstGeom prst="rect">
+            <a:avLst/>
+          </a:prstGeom>
+          <a:noFill/>
+        </p:spPr>
+        <p:txBody>
+          <a:bodyPr wrap="square" rtlCol="0">
+            <a:spAutoFit/>
+          </a:bodyPr>
+          <a:lstStyle/>
+          <a:p>
+            <a:pPr marL="457200" indent="-457200" algn="ctr">
+              <a:buAutoNum type="arabicPeriod"/>
+            </a:pPr>
+            <a:r>
+              <a:rPr lang="en-IN" sz="2400" b="1" dirty="0"/>
+              <a:t>Azure Function with Q Trigger will Monitor Queue</a:t>
+            </a:r>
+          </a:p>
+          <a:p>
+            <a:pPr marL="457200" indent="-457200" algn="ctr">
+              <a:buAutoNum type="arabicPeriod"/>
+            </a:pPr>
+            <a:r>
+              <a:rPr lang="en-IN" sz="2400" b="1" dirty="0"/>
+              <a:t>The Moment data is available to Queue it will be read for Processing</a:t>
+            </a:r>
+          </a:p>
+          <a:p>
+            <a:pPr marL="457200" indent="-457200" algn="ctr">
+              <a:buAutoNum type="arabicPeriod"/>
+            </a:pPr>
+            <a:endParaRPr lang="en-IN" sz="2400" b="1" dirty="0"/>
+          </a:p>
+        </p:txBody>
+      </p:sp>
+      <p:sp>
+        <p:nvSpPr>
+          <p:cNvPr id="13" name="Rectangle 12">
+            <a:extLst>
+              <a:ext uri="{FF2B5EF4-FFF2-40B4-BE49-F238E27FC236}">
+                <a16:creationId xmlns:a16="http://schemas.microsoft.com/office/drawing/2014/main" id="{599A399B-D4AC-C2A7-0A63-46C5B752A6DB}"/>
+              </a:ext>
+            </a:extLst>
+          </p:cNvPr>
+          <p:cNvSpPr/>
+          <p:nvPr/>
+        </p:nvSpPr>
+        <p:spPr>
+          <a:xfrm>
+            <a:off x="4926563" y="4188673"/>
+            <a:ext cx="4198776" cy="795417"/>
+          </a:xfrm>
+          <a:prstGeom prst="rect">
+            <a:avLst/>
+          </a:prstGeom>
+        </p:spPr>
+        <p:style>
+          <a:lnRef idx="2">
+            <a:schemeClr val="dk1">
+              <a:shade val="50000"/>
+            </a:schemeClr>
+          </a:lnRef>
+          <a:fillRef idx="1">
+            <a:schemeClr val="dk1"/>
+          </a:fillRef>
+          <a:effectRef idx="0">
+            <a:schemeClr val="dk1"/>
+          </a:effectRef>
+          <a:fontRef idx="minor">
+            <a:schemeClr val="lt1"/>
+          </a:fontRef>
+        </p:style>
+        <p:txBody>
+          <a:bodyPr rtlCol="0" anchor="ctr"/>
+          <a:lstStyle/>
+          <a:p>
+            <a:pPr algn="ctr"/>
+            <a:r>
+              <a:rPr lang="en-IN" b="1" dirty="0"/>
+              <a:t>Azure Function with Q Trigger</a:t>
+            </a:r>
+            <a:endParaRPr lang="en-US" b="1" dirty="0"/>
+          </a:p>
+        </p:txBody>
+      </p:sp>
+      <p:cxnSp>
+        <p:nvCxnSpPr>
+          <p:cNvPr id="20" name="Connector: Elbow 19">
+            <a:extLst>
+              <a:ext uri="{FF2B5EF4-FFF2-40B4-BE49-F238E27FC236}">
+                <a16:creationId xmlns:a16="http://schemas.microsoft.com/office/drawing/2014/main" id="{429A69E8-5A8A-0F5D-D5B5-C1D19FC2C3AA}"/>
+              </a:ext>
+            </a:extLst>
+          </p:cNvPr>
+          <p:cNvCxnSpPr>
+            <a:stCxn id="13" idx="0"/>
+            <a:endCxn id="9" idx="1"/>
+          </p:cNvCxnSpPr>
+          <p:nvPr/>
+        </p:nvCxnSpPr>
+        <p:spPr>
+          <a:xfrm rot="16200000" flipV="1">
+            <a:off x="6223323" y="3386045"/>
+            <a:ext cx="877469" cy="727788"/>
+          </a:xfrm>
+          <a:prstGeom prst="bentConnector4">
+            <a:avLst>
+              <a:gd name="adj1" fmla="val 32166"/>
+              <a:gd name="adj2" fmla="val 319872"/>
+            </a:avLst>
+          </a:prstGeom>
+          <a:ln>
+            <a:tailEnd type="triangle"/>
+          </a:ln>
+        </p:spPr>
+        <p:style>
+          <a:lnRef idx="1">
+            <a:schemeClr val="accent1"/>
+          </a:lnRef>
+          <a:fillRef idx="0">
+            <a:schemeClr val="accent1"/>
+          </a:fillRef>
+          <a:effectRef idx="0">
+            <a:schemeClr val="accent1"/>
+          </a:effectRef>
+          <a:fontRef idx="minor">
+            <a:schemeClr val="tx1"/>
+          </a:fontRef>
+        </p:style>
+      </p:cxnSp>
+      <p:cxnSp>
+        <p:nvCxnSpPr>
+          <p:cNvPr id="22" name="Connector: Elbow 21">
+            <a:extLst>
+              <a:ext uri="{FF2B5EF4-FFF2-40B4-BE49-F238E27FC236}">
+                <a16:creationId xmlns:a16="http://schemas.microsoft.com/office/drawing/2014/main" id="{A58DCB33-D935-686E-2B45-2981A4DEC7D3}"/>
+              </a:ext>
+            </a:extLst>
+          </p:cNvPr>
+          <p:cNvCxnSpPr>
+            <a:stCxn id="9" idx="3"/>
+            <a:endCxn id="13" idx="3"/>
+          </p:cNvCxnSpPr>
+          <p:nvPr/>
+        </p:nvCxnSpPr>
+        <p:spPr>
+          <a:xfrm>
+            <a:off x="7856375" y="3311204"/>
+            <a:ext cx="1268964" cy="1275178"/>
+          </a:xfrm>
+          <a:prstGeom prst="bentConnector3">
+            <a:avLst>
+              <a:gd name="adj1" fmla="val 118015"/>
+            </a:avLst>
+          </a:prstGeom>
+          <a:ln>
+            <a:tailEnd type="triangle"/>
+          </a:ln>
+        </p:spPr>
+        <p:style>
+          <a:lnRef idx="1">
+            <a:schemeClr val="accent1"/>
+          </a:lnRef>
+          <a:fillRef idx="0">
+            <a:schemeClr val="accent1"/>
+          </a:fillRef>
+          <a:effectRef idx="0">
+            <a:schemeClr val="accent1"/>
+          </a:effectRef>
+          <a:fontRef idx="minor">
+            <a:schemeClr val="tx1"/>
+          </a:fontRef>
+        </p:style>
+      </p:cxnSp>
+      <p:sp>
+        <p:nvSpPr>
+          <p:cNvPr id="27" name="Oval 26">
+            <a:extLst>
+              <a:ext uri="{FF2B5EF4-FFF2-40B4-BE49-F238E27FC236}">
+                <a16:creationId xmlns:a16="http://schemas.microsoft.com/office/drawing/2014/main" id="{D34AB7CA-0854-90C3-F63A-A0588CE45FA3}"/>
+              </a:ext>
+            </a:extLst>
+          </p:cNvPr>
+          <p:cNvSpPr/>
+          <p:nvPr/>
+        </p:nvSpPr>
+        <p:spPr>
+          <a:xfrm>
+            <a:off x="5029199" y="3087841"/>
+            <a:ext cx="438541" cy="401808"/>
+          </a:xfrm>
+          <a:prstGeom prst="ellipse">
+            <a:avLst/>
+          </a:prstGeom>
+        </p:spPr>
+        <p:style>
+          <a:lnRef idx="2">
+            <a:schemeClr val="accent1">
+              <a:shade val="50000"/>
+            </a:schemeClr>
+          </a:lnRef>
+          <a:fillRef idx="1">
+            <a:schemeClr val="accent1"/>
+          </a:fillRef>
+          <a:effectRef idx="0">
+            <a:schemeClr val="accent1"/>
+          </a:effectRef>
+          <a:fontRef idx="minor">
+            <a:schemeClr val="lt1"/>
+          </a:fontRef>
+        </p:style>
+        <p:txBody>
+          <a:bodyPr rtlCol="0" anchor="ctr"/>
+          <a:lstStyle/>
+          <a:p>
+            <a:pPr algn="ctr"/>
+            <a:r>
+              <a:rPr lang="en-IN" dirty="0"/>
+              <a:t>1</a:t>
+            </a:r>
+            <a:endParaRPr lang="en-US" dirty="0"/>
+          </a:p>
+        </p:txBody>
+      </p:sp>
+      <p:sp>
+        <p:nvSpPr>
+          <p:cNvPr id="28" name="Oval 27">
+            <a:extLst>
+              <a:ext uri="{FF2B5EF4-FFF2-40B4-BE49-F238E27FC236}">
+                <a16:creationId xmlns:a16="http://schemas.microsoft.com/office/drawing/2014/main" id="{58AB6C2B-232D-9ECA-CF02-551CBEAED4DE}"/>
+              </a:ext>
+            </a:extLst>
+          </p:cNvPr>
+          <p:cNvSpPr/>
+          <p:nvPr/>
+        </p:nvSpPr>
+        <p:spPr>
+          <a:xfrm>
+            <a:off x="9125339" y="3489649"/>
+            <a:ext cx="438541" cy="401808"/>
+          </a:xfrm>
+          <a:prstGeom prst="ellipse">
+            <a:avLst/>
+          </a:prstGeom>
+        </p:spPr>
+        <p:style>
+          <a:lnRef idx="2">
+            <a:schemeClr val="accent1">
+              <a:shade val="50000"/>
+            </a:schemeClr>
+          </a:lnRef>
+          <a:fillRef idx="1">
+            <a:schemeClr val="accent1"/>
+          </a:fillRef>
+          <a:effectRef idx="0">
+            <a:schemeClr val="accent1"/>
+          </a:effectRef>
+          <a:fontRef idx="minor">
+            <a:schemeClr val="lt1"/>
+          </a:fontRef>
+        </p:style>
+        <p:txBody>
+          <a:bodyPr rtlCol="0" anchor="ctr"/>
+          <a:lstStyle/>
+          <a:p>
+            <a:pPr algn="ctr"/>
+            <a:r>
+              <a:rPr lang="en-IN" dirty="0"/>
+              <a:t>2</a:t>
+            </a:r>
+            <a:endParaRPr lang="en-US" dirty="0"/>
+          </a:p>
+        </p:txBody>
+      </p:sp>
+      <p:cxnSp>
+        <p:nvCxnSpPr>
+          <p:cNvPr id="30" name="Connector: Elbow 29">
+            <a:extLst>
+              <a:ext uri="{FF2B5EF4-FFF2-40B4-BE49-F238E27FC236}">
+                <a16:creationId xmlns:a16="http://schemas.microsoft.com/office/drawing/2014/main" id="{D923C32C-4500-6659-5D7F-935D8BB89390}"/>
+              </a:ext>
+            </a:extLst>
+          </p:cNvPr>
+          <p:cNvCxnSpPr>
+            <a:stCxn id="13" idx="3"/>
+            <a:endCxn id="7" idx="0"/>
+          </p:cNvCxnSpPr>
+          <p:nvPr/>
+        </p:nvCxnSpPr>
+        <p:spPr>
+          <a:xfrm>
+            <a:off x="9125339" y="4586382"/>
+            <a:ext cx="1735495" cy="1183823"/>
+          </a:xfrm>
+          <a:prstGeom prst="bentConnector2">
+            <a:avLst/>
+          </a:prstGeom>
+          <a:ln>
+            <a:tailEnd type="triangle"/>
+          </a:ln>
+        </p:spPr>
+        <p:style>
+          <a:lnRef idx="1">
+            <a:schemeClr val="accent1"/>
+          </a:lnRef>
+          <a:fillRef idx="0">
+            <a:schemeClr val="accent1"/>
+          </a:fillRef>
+          <a:effectRef idx="0">
+            <a:schemeClr val="accent1"/>
+          </a:effectRef>
+          <a:fontRef idx="minor">
+            <a:schemeClr val="tx1"/>
+          </a:fontRef>
+        </p:style>
+      </p:cxnSp>
+      <p:sp>
+        <p:nvSpPr>
+          <p:cNvPr id="31" name="TextBox 30">
+            <a:extLst>
+              <a:ext uri="{FF2B5EF4-FFF2-40B4-BE49-F238E27FC236}">
+                <a16:creationId xmlns:a16="http://schemas.microsoft.com/office/drawing/2014/main" id="{CCBCCA80-384A-6E27-4716-07D197135214}"/>
+              </a:ext>
+            </a:extLst>
+          </p:cNvPr>
+          <p:cNvSpPr txBox="1"/>
+          <p:nvPr/>
+        </p:nvSpPr>
+        <p:spPr>
+          <a:xfrm>
+            <a:off x="102637" y="121298"/>
+            <a:ext cx="4637314" cy="646331"/>
+          </a:xfrm>
+          <a:prstGeom prst="rect">
+            <a:avLst/>
+          </a:prstGeom>
+          <a:noFill/>
+        </p:spPr>
+        <p:txBody>
+          <a:bodyPr wrap="square" rtlCol="0">
+            <a:spAutoFit/>
+          </a:bodyPr>
+          <a:lstStyle/>
+          <a:p>
+            <a:pPr algn="ctr"/>
+            <a:r>
+              <a:rPr lang="en-IN" b="1" dirty="0"/>
+              <a:t>Disconnected Integration Across Applications using Azure Serverless Functions</a:t>
+            </a:r>
+            <a:endParaRPr lang="en-US" b="1" dirty="0"/>
+          </a:p>
+        </p:txBody>
+      </p:sp>
+    </p:spTree>
+    <p:extLst>
+      <p:ext uri="{BB962C8B-B14F-4D97-AF65-F5344CB8AC3E}">
+        <p14:creationId xmlns:p14="http://schemas.microsoft.com/office/powerpoint/2010/main" val="3491053659"/>
       </p:ext>
     </p:extLst>
   </p:cSld>

--- a/Training_Images.pptx
+++ b/Training_Images.pptx
@@ -14,6 +14,8 @@
     <p:sldId id="260" r:id="rId8"/>
     <p:sldId id="263" r:id="rId9"/>
     <p:sldId id="264" r:id="rId10"/>
+    <p:sldId id="265" r:id="rId11"/>
+    <p:sldId id="266" r:id="rId12"/>
   </p:sldIdLst>
   <p:sldSz cx="12192000" cy="6858000"/>
   <p:notesSz cx="6858000" cy="9144000"/>
@@ -267,7 +269,7 @@
           <a:p>
             <a:fld id="{065EF289-5FD5-4B72-8BDA-1077AEB2783C}" type="datetimeFigureOut">
               <a:rPr lang="en-US" smtClean="0"/>
-              <a:t>5/10/2023</a:t>
+              <a:t>5/11/2023</a:t>
             </a:fld>
             <a:endParaRPr lang="en-US"/>
           </a:p>
@@ -465,7 +467,7 @@
           <a:p>
             <a:fld id="{065EF289-5FD5-4B72-8BDA-1077AEB2783C}" type="datetimeFigureOut">
               <a:rPr lang="en-US" smtClean="0"/>
-              <a:t>5/10/2023</a:t>
+              <a:t>5/11/2023</a:t>
             </a:fld>
             <a:endParaRPr lang="en-US"/>
           </a:p>
@@ -673,7 +675,7 @@
           <a:p>
             <a:fld id="{065EF289-5FD5-4B72-8BDA-1077AEB2783C}" type="datetimeFigureOut">
               <a:rPr lang="en-US" smtClean="0"/>
-              <a:t>5/10/2023</a:t>
+              <a:t>5/11/2023</a:t>
             </a:fld>
             <a:endParaRPr lang="en-US"/>
           </a:p>
@@ -871,7 +873,7 @@
           <a:p>
             <a:fld id="{065EF289-5FD5-4B72-8BDA-1077AEB2783C}" type="datetimeFigureOut">
               <a:rPr lang="en-US" smtClean="0"/>
-              <a:t>5/10/2023</a:t>
+              <a:t>5/11/2023</a:t>
             </a:fld>
             <a:endParaRPr lang="en-US"/>
           </a:p>
@@ -1146,7 +1148,7 @@
           <a:p>
             <a:fld id="{065EF289-5FD5-4B72-8BDA-1077AEB2783C}" type="datetimeFigureOut">
               <a:rPr lang="en-US" smtClean="0"/>
-              <a:t>5/10/2023</a:t>
+              <a:t>5/11/2023</a:t>
             </a:fld>
             <a:endParaRPr lang="en-US"/>
           </a:p>
@@ -1411,7 +1413,7 @@
           <a:p>
             <a:fld id="{065EF289-5FD5-4B72-8BDA-1077AEB2783C}" type="datetimeFigureOut">
               <a:rPr lang="en-US" smtClean="0"/>
-              <a:t>5/10/2023</a:t>
+              <a:t>5/11/2023</a:t>
             </a:fld>
             <a:endParaRPr lang="en-US"/>
           </a:p>
@@ -1823,7 +1825,7 @@
           <a:p>
             <a:fld id="{065EF289-5FD5-4B72-8BDA-1077AEB2783C}" type="datetimeFigureOut">
               <a:rPr lang="en-US" smtClean="0"/>
-              <a:t>5/10/2023</a:t>
+              <a:t>5/11/2023</a:t>
             </a:fld>
             <a:endParaRPr lang="en-US"/>
           </a:p>
@@ -1964,7 +1966,7 @@
           <a:p>
             <a:fld id="{065EF289-5FD5-4B72-8BDA-1077AEB2783C}" type="datetimeFigureOut">
               <a:rPr lang="en-US" smtClean="0"/>
-              <a:t>5/10/2023</a:t>
+              <a:t>5/11/2023</a:t>
             </a:fld>
             <a:endParaRPr lang="en-US"/>
           </a:p>
@@ -2077,7 +2079,7 @@
           <a:p>
             <a:fld id="{065EF289-5FD5-4B72-8BDA-1077AEB2783C}" type="datetimeFigureOut">
               <a:rPr lang="en-US" smtClean="0"/>
-              <a:t>5/10/2023</a:t>
+              <a:t>5/11/2023</a:t>
             </a:fld>
             <a:endParaRPr lang="en-US"/>
           </a:p>
@@ -2388,7 +2390,7 @@
           <a:p>
             <a:fld id="{065EF289-5FD5-4B72-8BDA-1077AEB2783C}" type="datetimeFigureOut">
               <a:rPr lang="en-US" smtClean="0"/>
-              <a:t>5/10/2023</a:t>
+              <a:t>5/11/2023</a:t>
             </a:fld>
             <a:endParaRPr lang="en-US"/>
           </a:p>
@@ -2676,7 +2678,7 @@
           <a:p>
             <a:fld id="{065EF289-5FD5-4B72-8BDA-1077AEB2783C}" type="datetimeFigureOut">
               <a:rPr lang="en-US" smtClean="0"/>
-              <a:t>5/10/2023</a:t>
+              <a:t>5/11/2023</a:t>
             </a:fld>
             <a:endParaRPr lang="en-US"/>
           </a:p>
@@ -2917,7 +2919,7 @@
           <a:p>
             <a:fld id="{065EF289-5FD5-4B72-8BDA-1077AEB2783C}" type="datetimeFigureOut">
               <a:rPr lang="en-US" smtClean="0"/>
-              <a:t>5/10/2023</a:t>
+              <a:t>5/11/2023</a:t>
             </a:fld>
             <a:endParaRPr lang="en-US"/>
           </a:p>
@@ -4216,6 +4218,1254 @@
 </p:sld>
 </file>
 
+<file path=ppt/slides/slide10.xml><?xml version="1.0" encoding="utf-8"?>
+<p:sld xmlns:a="http://schemas.openxmlformats.org/drawingml/2006/main" xmlns:r="http://schemas.openxmlformats.org/officeDocument/2006/relationships" xmlns:p="http://schemas.openxmlformats.org/presentationml/2006/main">
+  <p:cSld>
+    <p:spTree>
+      <p:nvGrpSpPr>
+        <p:cNvPr id="1" name=""/>
+        <p:cNvGrpSpPr/>
+        <p:nvPr/>
+      </p:nvGrpSpPr>
+      <p:grpSpPr>
+        <a:xfrm>
+          <a:off x="0" y="0"/>
+          <a:ext cx="0" cy="0"/>
+          <a:chOff x="0" y="0"/>
+          <a:chExt cx="0" cy="0"/>
+        </a:xfrm>
+      </p:grpSpPr>
+      <p:sp>
+        <p:nvSpPr>
+          <p:cNvPr id="2" name="Rectangle 1">
+            <a:extLst>
+              <a:ext uri="{FF2B5EF4-FFF2-40B4-BE49-F238E27FC236}">
+                <a16:creationId xmlns:a16="http://schemas.microsoft.com/office/drawing/2014/main" id="{AAE10A34-448D-DC7C-EB5F-993D90D9B1A3}"/>
+              </a:ext>
+            </a:extLst>
+          </p:cNvPr>
+          <p:cNvSpPr/>
+          <p:nvPr/>
+        </p:nvSpPr>
+        <p:spPr>
+          <a:xfrm>
+            <a:off x="849086" y="2407298"/>
+            <a:ext cx="2724538" cy="1418253"/>
+          </a:xfrm>
+          <a:prstGeom prst="rect">
+            <a:avLst/>
+          </a:prstGeom>
+        </p:spPr>
+        <p:style>
+          <a:lnRef idx="2">
+            <a:schemeClr val="accent1">
+              <a:shade val="50000"/>
+            </a:schemeClr>
+          </a:lnRef>
+          <a:fillRef idx="1">
+            <a:schemeClr val="accent1"/>
+          </a:fillRef>
+          <a:effectRef idx="0">
+            <a:schemeClr val="accent1"/>
+          </a:effectRef>
+          <a:fontRef idx="minor">
+            <a:schemeClr val="lt1"/>
+          </a:fontRef>
+        </p:style>
+        <p:txBody>
+          <a:bodyPr rtlCol="0" anchor="ctr"/>
+          <a:lstStyle/>
+          <a:p>
+            <a:pPr algn="ctr"/>
+            <a:r>
+              <a:rPr lang="en-IN" b="1" dirty="0"/>
+              <a:t>Function 1</a:t>
+            </a:r>
+            <a:endParaRPr lang="en-US" b="1" dirty="0"/>
+          </a:p>
+        </p:txBody>
+      </p:sp>
+      <p:sp>
+        <p:nvSpPr>
+          <p:cNvPr id="3" name="Rectangle 2">
+            <a:extLst>
+              <a:ext uri="{FF2B5EF4-FFF2-40B4-BE49-F238E27FC236}">
+                <a16:creationId xmlns:a16="http://schemas.microsoft.com/office/drawing/2014/main" id="{1EAD219B-759B-BEDF-A65C-A8DE3463BA02}"/>
+              </a:ext>
+            </a:extLst>
+          </p:cNvPr>
+          <p:cNvSpPr/>
+          <p:nvPr/>
+        </p:nvSpPr>
+        <p:spPr>
+          <a:xfrm>
+            <a:off x="6599853" y="2407297"/>
+            <a:ext cx="2724538" cy="1418253"/>
+          </a:xfrm>
+          <a:prstGeom prst="rect">
+            <a:avLst/>
+          </a:prstGeom>
+        </p:spPr>
+        <p:style>
+          <a:lnRef idx="2">
+            <a:schemeClr val="accent1">
+              <a:shade val="50000"/>
+            </a:schemeClr>
+          </a:lnRef>
+          <a:fillRef idx="1">
+            <a:schemeClr val="accent1"/>
+          </a:fillRef>
+          <a:effectRef idx="0">
+            <a:schemeClr val="accent1"/>
+          </a:effectRef>
+          <a:fontRef idx="minor">
+            <a:schemeClr val="lt1"/>
+          </a:fontRef>
+        </p:style>
+        <p:txBody>
+          <a:bodyPr rtlCol="0" anchor="ctr"/>
+          <a:lstStyle/>
+          <a:p>
+            <a:pPr algn="ctr"/>
+            <a:r>
+              <a:rPr lang="en-IN" b="1" dirty="0"/>
+              <a:t>Function 2</a:t>
+            </a:r>
+            <a:endParaRPr lang="en-US" b="1" dirty="0"/>
+          </a:p>
+        </p:txBody>
+      </p:sp>
+      <p:sp>
+        <p:nvSpPr>
+          <p:cNvPr id="5" name="Rectangle: Rounded Corners 4">
+            <a:extLst>
+              <a:ext uri="{FF2B5EF4-FFF2-40B4-BE49-F238E27FC236}">
+                <a16:creationId xmlns:a16="http://schemas.microsoft.com/office/drawing/2014/main" id="{FCB4EAC5-4B79-5BF8-F5FE-A841A9D766FB}"/>
+              </a:ext>
+            </a:extLst>
+          </p:cNvPr>
+          <p:cNvSpPr/>
+          <p:nvPr/>
+        </p:nvSpPr>
+        <p:spPr>
+          <a:xfrm>
+            <a:off x="3144416" y="4562669"/>
+            <a:ext cx="2845837" cy="1586204"/>
+          </a:xfrm>
+          <a:prstGeom prst="roundRect">
+            <a:avLst/>
+          </a:prstGeom>
+        </p:spPr>
+        <p:style>
+          <a:lnRef idx="2">
+            <a:schemeClr val="accent1">
+              <a:shade val="50000"/>
+            </a:schemeClr>
+          </a:lnRef>
+          <a:fillRef idx="1">
+            <a:schemeClr val="accent1"/>
+          </a:fillRef>
+          <a:effectRef idx="0">
+            <a:schemeClr val="accent1"/>
+          </a:effectRef>
+          <a:fontRef idx="minor">
+            <a:schemeClr val="lt1"/>
+          </a:fontRef>
+        </p:style>
+        <p:txBody>
+          <a:bodyPr rtlCol="0" anchor="ctr"/>
+          <a:lstStyle/>
+          <a:p>
+            <a:pPr algn="ctr"/>
+            <a:r>
+              <a:rPr lang="en-IN" b="1" dirty="0"/>
+              <a:t>Resources</a:t>
+            </a:r>
+            <a:endParaRPr lang="en-US" b="1" dirty="0"/>
+          </a:p>
+        </p:txBody>
+      </p:sp>
+      <p:cxnSp>
+        <p:nvCxnSpPr>
+          <p:cNvPr id="7" name="Connector: Elbow 6">
+            <a:extLst>
+              <a:ext uri="{FF2B5EF4-FFF2-40B4-BE49-F238E27FC236}">
+                <a16:creationId xmlns:a16="http://schemas.microsoft.com/office/drawing/2014/main" id="{F1CCA4CB-5AB9-1F00-ACBD-5233704F1E81}"/>
+              </a:ext>
+            </a:extLst>
+          </p:cNvPr>
+          <p:cNvCxnSpPr>
+            <a:stCxn id="2" idx="2"/>
+            <a:endCxn id="5" idx="1"/>
+          </p:cNvCxnSpPr>
+          <p:nvPr/>
+        </p:nvCxnSpPr>
+        <p:spPr>
+          <a:xfrm rot="16200000" flipH="1">
+            <a:off x="1912775" y="4124130"/>
+            <a:ext cx="1530220" cy="933061"/>
+          </a:xfrm>
+          <a:prstGeom prst="bentConnector2">
+            <a:avLst/>
+          </a:prstGeom>
+          <a:ln w="76200">
+            <a:tailEnd type="triangle"/>
+          </a:ln>
+        </p:spPr>
+        <p:style>
+          <a:lnRef idx="1">
+            <a:schemeClr val="accent1"/>
+          </a:lnRef>
+          <a:fillRef idx="0">
+            <a:schemeClr val="accent1"/>
+          </a:fillRef>
+          <a:effectRef idx="0">
+            <a:schemeClr val="accent1"/>
+          </a:effectRef>
+          <a:fontRef idx="minor">
+            <a:schemeClr val="tx1"/>
+          </a:fontRef>
+        </p:style>
+      </p:cxnSp>
+      <p:cxnSp>
+        <p:nvCxnSpPr>
+          <p:cNvPr id="9" name="Connector: Elbow 8">
+            <a:extLst>
+              <a:ext uri="{FF2B5EF4-FFF2-40B4-BE49-F238E27FC236}">
+                <a16:creationId xmlns:a16="http://schemas.microsoft.com/office/drawing/2014/main" id="{C06F2D8E-DC6F-1678-500B-99A9C0076876}"/>
+              </a:ext>
+            </a:extLst>
+          </p:cNvPr>
+          <p:cNvCxnSpPr>
+            <a:stCxn id="3" idx="2"/>
+            <a:endCxn id="5" idx="3"/>
+          </p:cNvCxnSpPr>
+          <p:nvPr/>
+        </p:nvCxnSpPr>
+        <p:spPr>
+          <a:xfrm rot="5400000">
+            <a:off x="6211078" y="3604726"/>
+            <a:ext cx="1530221" cy="1971869"/>
+          </a:xfrm>
+          <a:prstGeom prst="bentConnector2">
+            <a:avLst/>
+          </a:prstGeom>
+          <a:ln w="76200">
+            <a:tailEnd type="triangle"/>
+          </a:ln>
+        </p:spPr>
+        <p:style>
+          <a:lnRef idx="1">
+            <a:schemeClr val="accent1"/>
+          </a:lnRef>
+          <a:fillRef idx="0">
+            <a:schemeClr val="accent1"/>
+          </a:fillRef>
+          <a:effectRef idx="0">
+            <a:schemeClr val="accent1"/>
+          </a:effectRef>
+          <a:fontRef idx="minor">
+            <a:schemeClr val="tx1"/>
+          </a:fontRef>
+        </p:style>
+      </p:cxnSp>
+      <p:sp>
+        <p:nvSpPr>
+          <p:cNvPr id="12" name="TextBox 11">
+            <a:extLst>
+              <a:ext uri="{FF2B5EF4-FFF2-40B4-BE49-F238E27FC236}">
+                <a16:creationId xmlns:a16="http://schemas.microsoft.com/office/drawing/2014/main" id="{EB8BCA23-7B1A-B3E6-8CCA-8BE832602588}"/>
+              </a:ext>
+            </a:extLst>
+          </p:cNvPr>
+          <p:cNvSpPr txBox="1"/>
+          <p:nvPr/>
+        </p:nvSpPr>
+        <p:spPr>
+          <a:xfrm>
+            <a:off x="6351039" y="4755606"/>
+            <a:ext cx="4027714" cy="1200329"/>
+          </a:xfrm>
+          <a:prstGeom prst="rect">
+            <a:avLst/>
+          </a:prstGeom>
+          <a:noFill/>
+        </p:spPr>
+        <p:txBody>
+          <a:bodyPr wrap="square" rtlCol="0">
+            <a:spAutoFit/>
+          </a:bodyPr>
+          <a:lstStyle/>
+          <a:p>
+            <a:r>
+              <a:rPr lang="en-IN" dirty="0"/>
+              <a:t>Function2, Uses WebJob that monitor the resource and when the resource is affected the trigger will be executed in Function2</a:t>
+            </a:r>
+            <a:endParaRPr lang="en-US" dirty="0"/>
+          </a:p>
+        </p:txBody>
+      </p:sp>
+      <p:sp>
+        <p:nvSpPr>
+          <p:cNvPr id="4" name="Lightning Bolt 3">
+            <a:extLst>
+              <a:ext uri="{FF2B5EF4-FFF2-40B4-BE49-F238E27FC236}">
+                <a16:creationId xmlns:a16="http://schemas.microsoft.com/office/drawing/2014/main" id="{89BC52B8-D528-417B-F04E-9F7D419676B1}"/>
+              </a:ext>
+            </a:extLst>
+          </p:cNvPr>
+          <p:cNvSpPr/>
+          <p:nvPr/>
+        </p:nvSpPr>
+        <p:spPr>
+          <a:xfrm>
+            <a:off x="4155233" y="4142791"/>
+            <a:ext cx="1940767" cy="1334278"/>
+          </a:xfrm>
+          <a:prstGeom prst="lightningBolt">
+            <a:avLst/>
+          </a:prstGeom>
+          <a:solidFill>
+            <a:srgbClr val="FFFF00"/>
+          </a:solidFill>
+        </p:spPr>
+        <p:style>
+          <a:lnRef idx="2">
+            <a:schemeClr val="accent1">
+              <a:shade val="50000"/>
+            </a:schemeClr>
+          </a:lnRef>
+          <a:fillRef idx="1">
+            <a:schemeClr val="accent1"/>
+          </a:fillRef>
+          <a:effectRef idx="0">
+            <a:schemeClr val="accent1"/>
+          </a:effectRef>
+          <a:fontRef idx="minor">
+            <a:schemeClr val="lt1"/>
+          </a:fontRef>
+        </p:style>
+        <p:txBody>
+          <a:bodyPr rtlCol="0" anchor="ctr"/>
+          <a:lstStyle/>
+          <a:p>
+            <a:pPr algn="ctr"/>
+            <a:endParaRPr lang="en-US"/>
+          </a:p>
+        </p:txBody>
+      </p:sp>
+      <p:cxnSp>
+        <p:nvCxnSpPr>
+          <p:cNvPr id="14" name="Connector: Elbow 13">
+            <a:extLst>
+              <a:ext uri="{FF2B5EF4-FFF2-40B4-BE49-F238E27FC236}">
+                <a16:creationId xmlns:a16="http://schemas.microsoft.com/office/drawing/2014/main" id="{8164516B-1D0F-C110-F21E-2CD09B8FEDFF}"/>
+              </a:ext>
+            </a:extLst>
+          </p:cNvPr>
+          <p:cNvCxnSpPr>
+            <a:stCxn id="5" idx="0"/>
+            <a:endCxn id="3" idx="1"/>
+          </p:cNvCxnSpPr>
+          <p:nvPr/>
+        </p:nvCxnSpPr>
+        <p:spPr>
+          <a:xfrm rot="5400000" flipH="1" flipV="1">
+            <a:off x="4860472" y="2823288"/>
+            <a:ext cx="1446245" cy="2032518"/>
+          </a:xfrm>
+          <a:prstGeom prst="bentConnector2">
+            <a:avLst/>
+          </a:prstGeom>
+          <a:ln w="76200">
+            <a:tailEnd type="triangle"/>
+          </a:ln>
+        </p:spPr>
+        <p:style>
+          <a:lnRef idx="1">
+            <a:schemeClr val="accent1"/>
+          </a:lnRef>
+          <a:fillRef idx="0">
+            <a:schemeClr val="accent1"/>
+          </a:fillRef>
+          <a:effectRef idx="0">
+            <a:schemeClr val="accent1"/>
+          </a:effectRef>
+          <a:fontRef idx="minor">
+            <a:schemeClr val="tx1"/>
+          </a:fontRef>
+        </p:style>
+      </p:cxnSp>
+      <p:sp>
+        <p:nvSpPr>
+          <p:cNvPr id="15" name="TextBox 14">
+            <a:extLst>
+              <a:ext uri="{FF2B5EF4-FFF2-40B4-BE49-F238E27FC236}">
+                <a16:creationId xmlns:a16="http://schemas.microsoft.com/office/drawing/2014/main" id="{03669009-1AB1-06DA-F679-C7EA26354774}"/>
+              </a:ext>
+            </a:extLst>
+          </p:cNvPr>
+          <p:cNvSpPr txBox="1"/>
+          <p:nvPr/>
+        </p:nvSpPr>
+        <p:spPr>
+          <a:xfrm>
+            <a:off x="0" y="4142791"/>
+            <a:ext cx="2316326" cy="1754326"/>
+          </a:xfrm>
+          <a:prstGeom prst="rect">
+            <a:avLst/>
+          </a:prstGeom>
+          <a:noFill/>
+        </p:spPr>
+        <p:txBody>
+          <a:bodyPr wrap="square" rtlCol="0">
+            <a:spAutoFit/>
+          </a:bodyPr>
+          <a:lstStyle/>
+          <a:p>
+            <a:r>
+              <a:rPr lang="en-IN" dirty="0"/>
+              <a:t>Function1 Looses the state of the data once it is handed over to some entity (Resource) that is not managed by Function </a:t>
+            </a:r>
+            <a:endParaRPr lang="en-US" dirty="0"/>
+          </a:p>
+        </p:txBody>
+      </p:sp>
+      <p:sp>
+        <p:nvSpPr>
+          <p:cNvPr id="16" name="TextBox 15">
+            <a:extLst>
+              <a:ext uri="{FF2B5EF4-FFF2-40B4-BE49-F238E27FC236}">
+                <a16:creationId xmlns:a16="http://schemas.microsoft.com/office/drawing/2014/main" id="{9D4F4D7E-FD12-2227-EE7E-5E8EDF46C852}"/>
+              </a:ext>
+            </a:extLst>
+          </p:cNvPr>
+          <p:cNvSpPr txBox="1"/>
+          <p:nvPr/>
+        </p:nvSpPr>
+        <p:spPr>
+          <a:xfrm>
+            <a:off x="1956315" y="233265"/>
+            <a:ext cx="8298028" cy="1015663"/>
+          </a:xfrm>
+          <a:prstGeom prst="rect">
+            <a:avLst/>
+          </a:prstGeom>
+          <a:noFill/>
+        </p:spPr>
+        <p:txBody>
+          <a:bodyPr wrap="square" rtlCol="0">
+            <a:spAutoFit/>
+          </a:bodyPr>
+          <a:lstStyle/>
+          <a:p>
+            <a:pPr algn="ctr"/>
+            <a:r>
+              <a:rPr lang="en-IN" sz="6000" dirty="0"/>
+              <a:t>Stateless Behavior</a:t>
+            </a:r>
+            <a:endParaRPr lang="en-US" sz="6000" dirty="0"/>
+          </a:p>
+        </p:txBody>
+      </p:sp>
+      <p:sp>
+        <p:nvSpPr>
+          <p:cNvPr id="17" name="Arrow: Right 16">
+            <a:extLst>
+              <a:ext uri="{FF2B5EF4-FFF2-40B4-BE49-F238E27FC236}">
+                <a16:creationId xmlns:a16="http://schemas.microsoft.com/office/drawing/2014/main" id="{3052213A-4D47-47A1-7886-28954063B3B4}"/>
+              </a:ext>
+            </a:extLst>
+          </p:cNvPr>
+          <p:cNvSpPr/>
+          <p:nvPr/>
+        </p:nvSpPr>
+        <p:spPr>
+          <a:xfrm>
+            <a:off x="9324391" y="2626566"/>
+            <a:ext cx="2618793" cy="979713"/>
+          </a:xfrm>
+          <a:prstGeom prst="rightArrow">
+            <a:avLst/>
+          </a:prstGeom>
+        </p:spPr>
+        <p:style>
+          <a:lnRef idx="2">
+            <a:schemeClr val="accent1">
+              <a:shade val="50000"/>
+            </a:schemeClr>
+          </a:lnRef>
+          <a:fillRef idx="1">
+            <a:schemeClr val="accent1"/>
+          </a:fillRef>
+          <a:effectRef idx="0">
+            <a:schemeClr val="accent1"/>
+          </a:effectRef>
+          <a:fontRef idx="minor">
+            <a:schemeClr val="lt1"/>
+          </a:fontRef>
+        </p:style>
+        <p:txBody>
+          <a:bodyPr rtlCol="0" anchor="ctr"/>
+          <a:lstStyle/>
+          <a:p>
+            <a:pPr algn="ctr"/>
+            <a:r>
+              <a:rPr lang="en-IN" dirty="0"/>
+              <a:t>Sending Data Further to Other App</a:t>
+            </a:r>
+            <a:endParaRPr lang="en-US" dirty="0"/>
+          </a:p>
+        </p:txBody>
+      </p:sp>
+      <p:sp>
+        <p:nvSpPr>
+          <p:cNvPr id="18" name="TextBox 17">
+            <a:extLst>
+              <a:ext uri="{FF2B5EF4-FFF2-40B4-BE49-F238E27FC236}">
+                <a16:creationId xmlns:a16="http://schemas.microsoft.com/office/drawing/2014/main" id="{798C35F4-49CC-7E55-EC5E-C787BE2DCEB7}"/>
+              </a:ext>
+            </a:extLst>
+          </p:cNvPr>
+          <p:cNvSpPr txBox="1"/>
+          <p:nvPr/>
+        </p:nvSpPr>
+        <p:spPr>
+          <a:xfrm>
+            <a:off x="9341885" y="1084426"/>
+            <a:ext cx="2316326" cy="1200329"/>
+          </a:xfrm>
+          <a:prstGeom prst="rect">
+            <a:avLst/>
+          </a:prstGeom>
+          <a:noFill/>
+        </p:spPr>
+        <p:txBody>
+          <a:bodyPr wrap="square" rtlCol="0">
+            <a:spAutoFit/>
+          </a:bodyPr>
+          <a:lstStyle/>
+          <a:p>
+            <a:r>
+              <a:rPr lang="en-IN" dirty="0"/>
+              <a:t>Function2 Looses the state of the data once it is handed over Other application </a:t>
+            </a:r>
+            <a:endParaRPr lang="en-US" dirty="0"/>
+          </a:p>
+        </p:txBody>
+      </p:sp>
+    </p:spTree>
+    <p:extLst>
+      <p:ext uri="{BB962C8B-B14F-4D97-AF65-F5344CB8AC3E}">
+        <p14:creationId xmlns:p14="http://schemas.microsoft.com/office/powerpoint/2010/main" val="1088446507"/>
+      </p:ext>
+    </p:extLst>
+  </p:cSld>
+  <p:clrMapOvr>
+    <a:masterClrMapping/>
+  </p:clrMapOvr>
+</p:sld>
+</file>
+
+<file path=ppt/slides/slide11.xml><?xml version="1.0" encoding="utf-8"?>
+<p:sld xmlns:a="http://schemas.openxmlformats.org/drawingml/2006/main" xmlns:r="http://schemas.openxmlformats.org/officeDocument/2006/relationships" xmlns:p="http://schemas.openxmlformats.org/presentationml/2006/main">
+  <p:cSld>
+    <p:spTree>
+      <p:nvGrpSpPr>
+        <p:cNvPr id="1" name=""/>
+        <p:cNvGrpSpPr/>
+        <p:nvPr/>
+      </p:nvGrpSpPr>
+      <p:grpSpPr>
+        <a:xfrm>
+          <a:off x="0" y="0"/>
+          <a:ext cx="0" cy="0"/>
+          <a:chOff x="0" y="0"/>
+          <a:chExt cx="0" cy="0"/>
+        </a:xfrm>
+      </p:grpSpPr>
+      <p:sp>
+        <p:nvSpPr>
+          <p:cNvPr id="2" name="TextBox 1">
+            <a:extLst>
+              <a:ext uri="{FF2B5EF4-FFF2-40B4-BE49-F238E27FC236}">
+                <a16:creationId xmlns:a16="http://schemas.microsoft.com/office/drawing/2014/main" id="{FFA9673D-6F69-7D79-4BE7-2FB7106A7A4D}"/>
+              </a:ext>
+            </a:extLst>
+          </p:cNvPr>
+          <p:cNvSpPr txBox="1"/>
+          <p:nvPr/>
+        </p:nvSpPr>
+        <p:spPr>
+          <a:xfrm>
+            <a:off x="149290" y="149290"/>
+            <a:ext cx="5946710" cy="584775"/>
+          </a:xfrm>
+          <a:prstGeom prst="rect">
+            <a:avLst/>
+          </a:prstGeom>
+          <a:noFill/>
+        </p:spPr>
+        <p:txBody>
+          <a:bodyPr wrap="square" rtlCol="0">
+            <a:spAutoFit/>
+          </a:bodyPr>
+          <a:lstStyle/>
+          <a:p>
+            <a:pPr algn="ctr"/>
+            <a:r>
+              <a:rPr lang="en-IN" sz="3200" b="1" dirty="0"/>
+              <a:t>Function Chaining</a:t>
+            </a:r>
+            <a:endParaRPr lang="en-US" sz="3200" b="1" dirty="0"/>
+          </a:p>
+        </p:txBody>
+      </p:sp>
+      <p:sp>
+        <p:nvSpPr>
+          <p:cNvPr id="3" name="Rectangle: Rounded Corners 2">
+            <a:extLst>
+              <a:ext uri="{FF2B5EF4-FFF2-40B4-BE49-F238E27FC236}">
+                <a16:creationId xmlns:a16="http://schemas.microsoft.com/office/drawing/2014/main" id="{46B43006-A723-ED12-063F-191EBC8F202A}"/>
+              </a:ext>
+            </a:extLst>
+          </p:cNvPr>
+          <p:cNvSpPr/>
+          <p:nvPr/>
+        </p:nvSpPr>
+        <p:spPr>
+          <a:xfrm>
+            <a:off x="298580" y="1324947"/>
+            <a:ext cx="11280710" cy="4991877"/>
+          </a:xfrm>
+          <a:prstGeom prst="roundRect">
+            <a:avLst>
+              <a:gd name="adj" fmla="val 7882"/>
+            </a:avLst>
+          </a:prstGeom>
+        </p:spPr>
+        <p:style>
+          <a:lnRef idx="2">
+            <a:schemeClr val="accent6"/>
+          </a:lnRef>
+          <a:fillRef idx="1">
+            <a:schemeClr val="lt1"/>
+          </a:fillRef>
+          <a:effectRef idx="0">
+            <a:schemeClr val="accent6"/>
+          </a:effectRef>
+          <a:fontRef idx="minor">
+            <a:schemeClr val="dk1"/>
+          </a:fontRef>
+        </p:style>
+        <p:txBody>
+          <a:bodyPr rtlCol="0" anchor="ctr"/>
+          <a:lstStyle/>
+          <a:p>
+            <a:pPr algn="ctr"/>
+            <a:endParaRPr lang="en-US" b="1"/>
+          </a:p>
+        </p:txBody>
+      </p:sp>
+      <p:sp>
+        <p:nvSpPr>
+          <p:cNvPr id="4" name="TextBox 3">
+            <a:extLst>
+              <a:ext uri="{FF2B5EF4-FFF2-40B4-BE49-F238E27FC236}">
+                <a16:creationId xmlns:a16="http://schemas.microsoft.com/office/drawing/2014/main" id="{B8E257FA-DA52-53D9-C0E5-F290C0FE3CB2}"/>
+              </a:ext>
+            </a:extLst>
+          </p:cNvPr>
+          <p:cNvSpPr txBox="1"/>
+          <p:nvPr/>
+        </p:nvSpPr>
+        <p:spPr>
+          <a:xfrm>
+            <a:off x="531845" y="886408"/>
+            <a:ext cx="4460033" cy="373225"/>
+          </a:xfrm>
+          <a:prstGeom prst="rect">
+            <a:avLst/>
+          </a:prstGeom>
+          <a:noFill/>
+        </p:spPr>
+        <p:txBody>
+          <a:bodyPr wrap="square" rtlCol="0">
+            <a:spAutoFit/>
+          </a:bodyPr>
+          <a:lstStyle/>
+          <a:p>
+            <a:r>
+              <a:rPr lang="en-IN" b="1" dirty="0"/>
+              <a:t>Orchestrator</a:t>
+            </a:r>
+            <a:endParaRPr lang="en-US" b="1" dirty="0"/>
+          </a:p>
+        </p:txBody>
+      </p:sp>
+      <p:sp>
+        <p:nvSpPr>
+          <p:cNvPr id="5" name="Rectangle 4">
+            <a:extLst>
+              <a:ext uri="{FF2B5EF4-FFF2-40B4-BE49-F238E27FC236}">
+                <a16:creationId xmlns:a16="http://schemas.microsoft.com/office/drawing/2014/main" id="{08E293F0-9F68-0FF5-6168-BC79F5C346CE}"/>
+              </a:ext>
+            </a:extLst>
+          </p:cNvPr>
+          <p:cNvSpPr/>
+          <p:nvPr/>
+        </p:nvSpPr>
+        <p:spPr>
+          <a:xfrm>
+            <a:off x="457199" y="2537927"/>
+            <a:ext cx="2976465" cy="2108718"/>
+          </a:xfrm>
+          <a:prstGeom prst="rect">
+            <a:avLst/>
+          </a:prstGeom>
+        </p:spPr>
+        <p:style>
+          <a:lnRef idx="2">
+            <a:schemeClr val="accent1">
+              <a:shade val="50000"/>
+            </a:schemeClr>
+          </a:lnRef>
+          <a:fillRef idx="1">
+            <a:schemeClr val="accent1"/>
+          </a:fillRef>
+          <a:effectRef idx="0">
+            <a:schemeClr val="accent1"/>
+          </a:effectRef>
+          <a:fontRef idx="minor">
+            <a:schemeClr val="lt1"/>
+          </a:fontRef>
+        </p:style>
+        <p:txBody>
+          <a:bodyPr rtlCol="0" anchor="ctr"/>
+          <a:lstStyle/>
+          <a:p>
+            <a:pPr algn="ctr"/>
+            <a:r>
+              <a:rPr lang="en-IN" b="1" dirty="0"/>
+              <a:t>Function 1</a:t>
+            </a:r>
+          </a:p>
+          <a:p>
+            <a:pPr algn="ctr"/>
+            <a:r>
+              <a:rPr lang="en-IN" b="1" dirty="0"/>
+              <a:t>Read Data from Storage e.g. Azure Table, Q, BLOB, Database</a:t>
+            </a:r>
+          </a:p>
+          <a:p>
+            <a:pPr algn="ctr"/>
+            <a:r>
+              <a:rPr lang="en-IN" b="1" dirty="0"/>
+              <a:t>Explicitly</a:t>
+            </a:r>
+            <a:endParaRPr lang="en-US" b="1" dirty="0"/>
+          </a:p>
+        </p:txBody>
+      </p:sp>
+      <p:sp>
+        <p:nvSpPr>
+          <p:cNvPr id="9" name="Rectangle 8">
+            <a:extLst>
+              <a:ext uri="{FF2B5EF4-FFF2-40B4-BE49-F238E27FC236}">
+                <a16:creationId xmlns:a16="http://schemas.microsoft.com/office/drawing/2014/main" id="{F52F2373-2DD2-6992-91BE-52D5BF2870A4}"/>
+              </a:ext>
+            </a:extLst>
+          </p:cNvPr>
+          <p:cNvSpPr/>
+          <p:nvPr/>
+        </p:nvSpPr>
+        <p:spPr>
+          <a:xfrm>
+            <a:off x="8298024" y="2659225"/>
+            <a:ext cx="2976465" cy="2108718"/>
+          </a:xfrm>
+          <a:prstGeom prst="rect">
+            <a:avLst/>
+          </a:prstGeom>
+        </p:spPr>
+        <p:style>
+          <a:lnRef idx="2">
+            <a:schemeClr val="accent1">
+              <a:shade val="50000"/>
+            </a:schemeClr>
+          </a:lnRef>
+          <a:fillRef idx="1">
+            <a:schemeClr val="accent1"/>
+          </a:fillRef>
+          <a:effectRef idx="0">
+            <a:schemeClr val="accent1"/>
+          </a:effectRef>
+          <a:fontRef idx="minor">
+            <a:schemeClr val="lt1"/>
+          </a:fontRef>
+        </p:style>
+        <p:txBody>
+          <a:bodyPr rtlCol="0" anchor="ctr"/>
+          <a:lstStyle/>
+          <a:p>
+            <a:pPr algn="ctr"/>
+            <a:r>
+              <a:rPr lang="en-IN" b="1" dirty="0"/>
+              <a:t>Function 2</a:t>
+            </a:r>
+            <a:endParaRPr lang="en-US" b="1" dirty="0"/>
+          </a:p>
+        </p:txBody>
+      </p:sp>
+      <p:sp>
+        <p:nvSpPr>
+          <p:cNvPr id="10" name="Rectangle: Rounded Corners 9">
+            <a:extLst>
+              <a:ext uri="{FF2B5EF4-FFF2-40B4-BE49-F238E27FC236}">
+                <a16:creationId xmlns:a16="http://schemas.microsoft.com/office/drawing/2014/main" id="{0F89466C-884C-577E-F910-D7D38AFE29F2}"/>
+              </a:ext>
+            </a:extLst>
+          </p:cNvPr>
+          <p:cNvSpPr/>
+          <p:nvPr/>
+        </p:nvSpPr>
+        <p:spPr>
+          <a:xfrm>
+            <a:off x="612710" y="5225142"/>
+            <a:ext cx="2724539" cy="746449"/>
+          </a:xfrm>
+          <a:prstGeom prst="roundRect">
+            <a:avLst/>
+          </a:prstGeom>
+        </p:spPr>
+        <p:style>
+          <a:lnRef idx="2">
+            <a:schemeClr val="accent1">
+              <a:shade val="50000"/>
+            </a:schemeClr>
+          </a:lnRef>
+          <a:fillRef idx="1">
+            <a:schemeClr val="accent1"/>
+          </a:fillRef>
+          <a:effectRef idx="0">
+            <a:schemeClr val="accent1"/>
+          </a:effectRef>
+          <a:fontRef idx="minor">
+            <a:schemeClr val="lt1"/>
+          </a:fontRef>
+        </p:style>
+        <p:txBody>
+          <a:bodyPr rtlCol="0" anchor="ctr"/>
+          <a:lstStyle/>
+          <a:p>
+            <a:pPr algn="ctr"/>
+            <a:r>
+              <a:rPr lang="en-IN" b="1" dirty="0"/>
+              <a:t>Storage</a:t>
+            </a:r>
+            <a:endParaRPr lang="en-US" b="1" dirty="0"/>
+          </a:p>
+        </p:txBody>
+      </p:sp>
+      <p:cxnSp>
+        <p:nvCxnSpPr>
+          <p:cNvPr id="12" name="Connector: Elbow 11">
+            <a:extLst>
+              <a:ext uri="{FF2B5EF4-FFF2-40B4-BE49-F238E27FC236}">
+                <a16:creationId xmlns:a16="http://schemas.microsoft.com/office/drawing/2014/main" id="{53BF22A8-0339-24ED-FA3E-E35CF3ACE22C}"/>
+              </a:ext>
+            </a:extLst>
+          </p:cNvPr>
+          <p:cNvCxnSpPr>
+            <a:endCxn id="5" idx="2"/>
+          </p:cNvCxnSpPr>
+          <p:nvPr/>
+        </p:nvCxnSpPr>
+        <p:spPr>
+          <a:xfrm rot="5400000" flipH="1" flipV="1">
+            <a:off x="1649990" y="4942086"/>
+            <a:ext cx="590882" cy="1"/>
+          </a:xfrm>
+          <a:prstGeom prst="bentConnector3">
+            <a:avLst/>
+          </a:prstGeom>
+          <a:ln w="76200">
+            <a:tailEnd type="triangle"/>
+          </a:ln>
+        </p:spPr>
+        <p:style>
+          <a:lnRef idx="3">
+            <a:schemeClr val="accent2"/>
+          </a:lnRef>
+          <a:fillRef idx="0">
+            <a:schemeClr val="accent2"/>
+          </a:fillRef>
+          <a:effectRef idx="2">
+            <a:schemeClr val="accent2"/>
+          </a:effectRef>
+          <a:fontRef idx="minor">
+            <a:schemeClr val="tx1"/>
+          </a:fontRef>
+        </p:style>
+      </p:cxnSp>
+      <p:sp>
+        <p:nvSpPr>
+          <p:cNvPr id="13" name="Cylinder 12">
+            <a:extLst>
+              <a:ext uri="{FF2B5EF4-FFF2-40B4-BE49-F238E27FC236}">
+                <a16:creationId xmlns:a16="http://schemas.microsoft.com/office/drawing/2014/main" id="{A04278A7-4D8D-B9B8-E493-99F14398799E}"/>
+              </a:ext>
+            </a:extLst>
+          </p:cNvPr>
+          <p:cNvSpPr/>
+          <p:nvPr/>
+        </p:nvSpPr>
+        <p:spPr>
+          <a:xfrm>
+            <a:off x="4750835" y="1483568"/>
+            <a:ext cx="2230017" cy="1054359"/>
+          </a:xfrm>
+          <a:prstGeom prst="can">
+            <a:avLst/>
+          </a:prstGeom>
+        </p:spPr>
+        <p:style>
+          <a:lnRef idx="2">
+            <a:schemeClr val="accent1">
+              <a:shade val="50000"/>
+            </a:schemeClr>
+          </a:lnRef>
+          <a:fillRef idx="1">
+            <a:schemeClr val="accent1"/>
+          </a:fillRef>
+          <a:effectRef idx="0">
+            <a:schemeClr val="accent1"/>
+          </a:effectRef>
+          <a:fontRef idx="minor">
+            <a:schemeClr val="lt1"/>
+          </a:fontRef>
+        </p:style>
+        <p:txBody>
+          <a:bodyPr rtlCol="0" anchor="ctr"/>
+          <a:lstStyle/>
+          <a:p>
+            <a:pPr algn="ctr"/>
+            <a:r>
+              <a:rPr lang="en-IN" b="1" dirty="0"/>
+              <a:t>Data Store Managed by Orchestrator</a:t>
+            </a:r>
+            <a:endParaRPr lang="en-US" b="1" dirty="0"/>
+          </a:p>
+        </p:txBody>
+      </p:sp>
+      <p:cxnSp>
+        <p:nvCxnSpPr>
+          <p:cNvPr id="15" name="Connector: Elbow 14">
+            <a:extLst>
+              <a:ext uri="{FF2B5EF4-FFF2-40B4-BE49-F238E27FC236}">
+                <a16:creationId xmlns:a16="http://schemas.microsoft.com/office/drawing/2014/main" id="{1FCED767-7BAD-09F1-6B3D-626DB05BB568}"/>
+              </a:ext>
+            </a:extLst>
+          </p:cNvPr>
+          <p:cNvCxnSpPr>
+            <a:stCxn id="5" idx="0"/>
+            <a:endCxn id="13" idx="2"/>
+          </p:cNvCxnSpPr>
+          <p:nvPr/>
+        </p:nvCxnSpPr>
+        <p:spPr>
+          <a:xfrm rot="5400000" flipH="1" flipV="1">
+            <a:off x="3084544" y="871637"/>
+            <a:ext cx="527179" cy="2805403"/>
+          </a:xfrm>
+          <a:prstGeom prst="bentConnector2">
+            <a:avLst/>
+          </a:prstGeom>
+          <a:ln w="76200">
+            <a:tailEnd type="triangle"/>
+          </a:ln>
+        </p:spPr>
+        <p:style>
+          <a:lnRef idx="3">
+            <a:schemeClr val="accent2"/>
+          </a:lnRef>
+          <a:fillRef idx="0">
+            <a:schemeClr val="accent2"/>
+          </a:fillRef>
+          <a:effectRef idx="2">
+            <a:schemeClr val="accent2"/>
+          </a:effectRef>
+          <a:fontRef idx="minor">
+            <a:schemeClr val="tx1"/>
+          </a:fontRef>
+        </p:style>
+      </p:cxnSp>
+      <p:cxnSp>
+        <p:nvCxnSpPr>
+          <p:cNvPr id="17" name="Connector: Elbow 16">
+            <a:extLst>
+              <a:ext uri="{FF2B5EF4-FFF2-40B4-BE49-F238E27FC236}">
+                <a16:creationId xmlns:a16="http://schemas.microsoft.com/office/drawing/2014/main" id="{10652F35-8B14-AC97-075D-C9E3092C9D67}"/>
+              </a:ext>
+            </a:extLst>
+          </p:cNvPr>
+          <p:cNvCxnSpPr>
+            <a:stCxn id="13" idx="3"/>
+          </p:cNvCxnSpPr>
+          <p:nvPr/>
+        </p:nvCxnSpPr>
+        <p:spPr>
+          <a:xfrm rot="16200000" flipH="1">
+            <a:off x="6494106" y="1909665"/>
+            <a:ext cx="1175657" cy="2432180"/>
+          </a:xfrm>
+          <a:prstGeom prst="bentConnector2">
+            <a:avLst/>
+          </a:prstGeom>
+          <a:ln w="76200">
+            <a:tailEnd type="triangle"/>
+          </a:ln>
+        </p:spPr>
+        <p:style>
+          <a:lnRef idx="3">
+            <a:schemeClr val="accent2"/>
+          </a:lnRef>
+          <a:fillRef idx="0">
+            <a:schemeClr val="accent2"/>
+          </a:fillRef>
+          <a:effectRef idx="2">
+            <a:schemeClr val="accent2"/>
+          </a:effectRef>
+          <a:fontRef idx="minor">
+            <a:schemeClr val="tx1"/>
+          </a:fontRef>
+        </p:style>
+      </p:cxnSp>
+      <p:sp>
+        <p:nvSpPr>
+          <p:cNvPr id="18" name="TextBox 17">
+            <a:extLst>
+              <a:ext uri="{FF2B5EF4-FFF2-40B4-BE49-F238E27FC236}">
+                <a16:creationId xmlns:a16="http://schemas.microsoft.com/office/drawing/2014/main" id="{D3B6E2CF-670D-2BDF-39D9-FB7B84405B83}"/>
+              </a:ext>
+            </a:extLst>
+          </p:cNvPr>
+          <p:cNvSpPr txBox="1"/>
+          <p:nvPr/>
+        </p:nvSpPr>
+        <p:spPr>
+          <a:xfrm>
+            <a:off x="5159829" y="4049486"/>
+            <a:ext cx="3041779" cy="646331"/>
+          </a:xfrm>
+          <a:prstGeom prst="rect">
+            <a:avLst/>
+          </a:prstGeom>
+          <a:noFill/>
+        </p:spPr>
+        <p:txBody>
+          <a:bodyPr wrap="square" rtlCol="0">
+            <a:spAutoFit/>
+          </a:bodyPr>
+          <a:lstStyle/>
+          <a:p>
+            <a:r>
+              <a:rPr lang="en-IN" b="1" dirty="0"/>
+              <a:t>Orchestrator will input data to Function 2 explicitly</a:t>
+            </a:r>
+            <a:endParaRPr lang="en-US" b="1" dirty="0"/>
+          </a:p>
+        </p:txBody>
+      </p:sp>
+      <p:sp>
+        <p:nvSpPr>
+          <p:cNvPr id="19" name="Arrow: Down 18">
+            <a:extLst>
+              <a:ext uri="{FF2B5EF4-FFF2-40B4-BE49-F238E27FC236}">
+                <a16:creationId xmlns:a16="http://schemas.microsoft.com/office/drawing/2014/main" id="{F67079E4-2A6B-C28B-75E6-CACD54946949}"/>
+              </a:ext>
+            </a:extLst>
+          </p:cNvPr>
+          <p:cNvSpPr/>
+          <p:nvPr/>
+        </p:nvSpPr>
+        <p:spPr>
+          <a:xfrm>
+            <a:off x="612710" y="2052735"/>
+            <a:ext cx="199053" cy="485191"/>
+          </a:xfrm>
+          <a:prstGeom prst="downArrow">
+            <a:avLst/>
+          </a:prstGeom>
+          <a:solidFill>
+            <a:srgbClr val="FFFF00"/>
+          </a:solidFill>
+        </p:spPr>
+        <p:style>
+          <a:lnRef idx="2">
+            <a:schemeClr val="accent1">
+              <a:shade val="50000"/>
+            </a:schemeClr>
+          </a:lnRef>
+          <a:fillRef idx="1">
+            <a:schemeClr val="accent1"/>
+          </a:fillRef>
+          <a:effectRef idx="0">
+            <a:schemeClr val="accent1"/>
+          </a:effectRef>
+          <a:fontRef idx="minor">
+            <a:schemeClr val="lt1"/>
+          </a:fontRef>
+        </p:style>
+        <p:txBody>
+          <a:bodyPr rtlCol="0" anchor="ctr"/>
+          <a:lstStyle/>
+          <a:p>
+            <a:pPr algn="ctr"/>
+            <a:endParaRPr lang="en-US"/>
+          </a:p>
+        </p:txBody>
+      </p:sp>
+      <p:sp>
+        <p:nvSpPr>
+          <p:cNvPr id="20" name="TextBox 19">
+            <a:extLst>
+              <a:ext uri="{FF2B5EF4-FFF2-40B4-BE49-F238E27FC236}">
+                <a16:creationId xmlns:a16="http://schemas.microsoft.com/office/drawing/2014/main" id="{CF392B11-3671-E296-2A4D-742A0A7BC033}"/>
+              </a:ext>
+            </a:extLst>
+          </p:cNvPr>
+          <p:cNvSpPr txBox="1"/>
+          <p:nvPr/>
+        </p:nvSpPr>
+        <p:spPr>
+          <a:xfrm>
+            <a:off x="382555" y="1707502"/>
+            <a:ext cx="1418253" cy="369332"/>
+          </a:xfrm>
+          <a:prstGeom prst="rect">
+            <a:avLst/>
+          </a:prstGeom>
+          <a:noFill/>
+        </p:spPr>
+        <p:txBody>
+          <a:bodyPr wrap="square" rtlCol="0">
+            <a:spAutoFit/>
+          </a:bodyPr>
+          <a:lstStyle/>
+          <a:p>
+            <a:r>
+              <a:rPr lang="en-IN" dirty="0"/>
+              <a:t>Start </a:t>
+            </a:r>
+            <a:endParaRPr lang="en-US" dirty="0"/>
+          </a:p>
+        </p:txBody>
+      </p:sp>
+      <p:sp>
+        <p:nvSpPr>
+          <p:cNvPr id="21" name="TextBox 20">
+            <a:extLst>
+              <a:ext uri="{FF2B5EF4-FFF2-40B4-BE49-F238E27FC236}">
+                <a16:creationId xmlns:a16="http://schemas.microsoft.com/office/drawing/2014/main" id="{3569038F-4AA5-D437-330A-5F9544D572A6}"/>
+              </a:ext>
+            </a:extLst>
+          </p:cNvPr>
+          <p:cNvSpPr txBox="1"/>
+          <p:nvPr/>
+        </p:nvSpPr>
+        <p:spPr>
+          <a:xfrm>
+            <a:off x="531845" y="4301412"/>
+            <a:ext cx="2805403" cy="369332"/>
+          </a:xfrm>
+          <a:prstGeom prst="rect">
+            <a:avLst/>
+          </a:prstGeom>
+          <a:noFill/>
+        </p:spPr>
+        <p:txBody>
+          <a:bodyPr wrap="square" rtlCol="0">
+            <a:spAutoFit/>
+          </a:bodyPr>
+          <a:lstStyle/>
+          <a:p>
+            <a:pPr algn="ctr"/>
+            <a:r>
+              <a:rPr lang="en-IN" b="1" dirty="0" err="1">
+                <a:solidFill>
+                  <a:srgbClr val="FFFF00"/>
+                </a:solidFill>
+              </a:rPr>
+              <a:t>ActivityTrigger</a:t>
+            </a:r>
+            <a:endParaRPr lang="en-US" b="1" dirty="0">
+              <a:solidFill>
+                <a:srgbClr val="FFFF00"/>
+              </a:solidFill>
+            </a:endParaRPr>
+          </a:p>
+        </p:txBody>
+      </p:sp>
+      <p:sp>
+        <p:nvSpPr>
+          <p:cNvPr id="22" name="TextBox 21">
+            <a:extLst>
+              <a:ext uri="{FF2B5EF4-FFF2-40B4-BE49-F238E27FC236}">
+                <a16:creationId xmlns:a16="http://schemas.microsoft.com/office/drawing/2014/main" id="{EF8E74AB-4C05-165C-9C08-2847BB1B2555}"/>
+              </a:ext>
+            </a:extLst>
+          </p:cNvPr>
+          <p:cNvSpPr txBox="1"/>
+          <p:nvPr/>
+        </p:nvSpPr>
+        <p:spPr>
+          <a:xfrm>
+            <a:off x="8383554" y="4301412"/>
+            <a:ext cx="2805403" cy="369332"/>
+          </a:xfrm>
+          <a:prstGeom prst="rect">
+            <a:avLst/>
+          </a:prstGeom>
+          <a:noFill/>
+        </p:spPr>
+        <p:txBody>
+          <a:bodyPr wrap="square" rtlCol="0">
+            <a:spAutoFit/>
+          </a:bodyPr>
+          <a:lstStyle/>
+          <a:p>
+            <a:pPr algn="ctr"/>
+            <a:r>
+              <a:rPr lang="en-IN" b="1" dirty="0" err="1">
+                <a:solidFill>
+                  <a:srgbClr val="FFFF00"/>
+                </a:solidFill>
+              </a:rPr>
+              <a:t>ActivityTrigger</a:t>
+            </a:r>
+            <a:endParaRPr lang="en-US" b="1" dirty="0">
+              <a:solidFill>
+                <a:srgbClr val="FFFF00"/>
+              </a:solidFill>
+            </a:endParaRPr>
+          </a:p>
+        </p:txBody>
+      </p:sp>
+    </p:spTree>
+    <p:extLst>
+      <p:ext uri="{BB962C8B-B14F-4D97-AF65-F5344CB8AC3E}">
+        <p14:creationId xmlns:p14="http://schemas.microsoft.com/office/powerpoint/2010/main" val="2288378112"/>
+      </p:ext>
+    </p:extLst>
+  </p:cSld>
+  <p:clrMapOvr>
+    <a:masterClrMapping/>
+  </p:clrMapOvr>
+</p:sld>
+</file>
+
 <file path=ppt/slides/slide2.xml><?xml version="1.0" encoding="utf-8"?>
 <p:sld xmlns:a="http://schemas.openxmlformats.org/drawingml/2006/main" xmlns:r="http://schemas.openxmlformats.org/officeDocument/2006/relationships" xmlns:p="http://schemas.openxmlformats.org/presentationml/2006/main">
   <p:cSld>
